--- a/github-presentation.pptx
+++ b/github-presentation.pptx
@@ -820,7 +820,7 @@
   <p:cSld>
     <p:spTree>
       <p:nvGrpSpPr>
-        <p:cNvPr id="124" name="Shape 124"/>
+        <p:cNvPr id="136" name="Shape 136"/>
         <p:cNvGrpSpPr/>
         <p:nvPr/>
       </p:nvGrpSpPr>
@@ -834,7 +834,7 @@
       </p:grpSpPr>
       <p:sp>
         <p:nvSpPr>
-          <p:cNvPr id="125" name="Google Shape;125;g11537151841_0_31:notes"/>
+          <p:cNvPr id="137" name="Google Shape;137;g11537151841_0_31:notes"/>
           <p:cNvSpPr/>
           <p:nvPr>
             <p:ph idx="2" type="sldImg"/>
@@ -869,7 +869,7 @@
       </p:sp>
       <p:sp>
         <p:nvSpPr>
-          <p:cNvPr id="126" name="Google Shape;126;g11537151841_0_31:notes"/>
+          <p:cNvPr id="138" name="Google Shape;138;g11537151841_0_31:notes"/>
           <p:cNvSpPr txBox="1"/>
           <p:nvPr>
             <p:ph idx="1" type="body"/>
@@ -919,7 +919,7 @@
   <p:cSld>
     <p:spTree>
       <p:nvGrpSpPr>
-        <p:cNvPr id="129" name="Shape 129"/>
+        <p:cNvPr id="141" name="Shape 141"/>
         <p:cNvGrpSpPr/>
         <p:nvPr/>
       </p:nvGrpSpPr>
@@ -933,7 +933,7 @@
       </p:grpSpPr>
       <p:sp>
         <p:nvSpPr>
-          <p:cNvPr id="130" name="Google Shape;130;g11537151841_0_59:notes"/>
+          <p:cNvPr id="142" name="Google Shape;142;g11537151841_0_59:notes"/>
           <p:cNvSpPr/>
           <p:nvPr>
             <p:ph idx="2" type="sldImg"/>
@@ -968,7 +968,7 @@
       </p:sp>
       <p:sp>
         <p:nvSpPr>
-          <p:cNvPr id="131" name="Google Shape;131;g11537151841_0_59:notes"/>
+          <p:cNvPr id="143" name="Google Shape;143;g11537151841_0_59:notes"/>
           <p:cNvSpPr txBox="1"/>
           <p:nvPr>
             <p:ph idx="1" type="body"/>
@@ -1018,7 +1018,7 @@
   <p:cSld>
     <p:spTree>
       <p:nvGrpSpPr>
-        <p:cNvPr id="134" name="Shape 134"/>
+        <p:cNvPr id="146" name="Shape 146"/>
         <p:cNvGrpSpPr/>
         <p:nvPr/>
       </p:nvGrpSpPr>
@@ -1032,7 +1032,7 @@
       </p:grpSpPr>
       <p:sp>
         <p:nvSpPr>
-          <p:cNvPr id="135" name="Google Shape;135;g11537151841_0_63:notes"/>
+          <p:cNvPr id="147" name="Google Shape;147;g11537151841_0_63:notes"/>
           <p:cNvSpPr/>
           <p:nvPr>
             <p:ph idx="2" type="sldImg"/>
@@ -1067,7 +1067,7 @@
       </p:sp>
       <p:sp>
         <p:nvSpPr>
-          <p:cNvPr id="136" name="Google Shape;136;g11537151841_0_63:notes"/>
+          <p:cNvPr id="148" name="Google Shape;148;g11537151841_0_63:notes"/>
           <p:cNvSpPr txBox="1"/>
           <p:nvPr>
             <p:ph idx="1" type="body"/>
@@ -1117,7 +1117,7 @@
   <p:cSld>
     <p:spTree>
       <p:nvGrpSpPr>
-        <p:cNvPr id="139" name="Shape 139"/>
+        <p:cNvPr id="151" name="Shape 151"/>
         <p:cNvGrpSpPr/>
         <p:nvPr/>
       </p:nvGrpSpPr>
@@ -1131,7 +1131,7 @@
       </p:grpSpPr>
       <p:sp>
         <p:nvSpPr>
-          <p:cNvPr id="140" name="Google Shape;140;g11537151841_0_67:notes"/>
+          <p:cNvPr id="152" name="Google Shape;152;g11537151841_0_67:notes"/>
           <p:cNvSpPr/>
           <p:nvPr>
             <p:ph idx="2" type="sldImg"/>
@@ -1166,7 +1166,7 @@
       </p:sp>
       <p:sp>
         <p:nvSpPr>
-          <p:cNvPr id="141" name="Google Shape;141;g11537151841_0_67:notes"/>
+          <p:cNvPr id="153" name="Google Shape;153;g11537151841_0_67:notes"/>
           <p:cNvSpPr txBox="1"/>
           <p:nvPr>
             <p:ph idx="1" type="body"/>
@@ -1216,7 +1216,7 @@
   <p:cSld>
     <p:spTree>
       <p:nvGrpSpPr>
-        <p:cNvPr id="144" name="Shape 144"/>
+        <p:cNvPr id="156" name="Shape 156"/>
         <p:cNvGrpSpPr/>
         <p:nvPr/>
       </p:nvGrpSpPr>
@@ -1230,7 +1230,7 @@
       </p:grpSpPr>
       <p:sp>
         <p:nvSpPr>
-          <p:cNvPr id="145" name="Google Shape;145;g11537151841_0_71:notes"/>
+          <p:cNvPr id="157" name="Google Shape;157;g11537151841_0_71:notes"/>
           <p:cNvSpPr/>
           <p:nvPr>
             <p:ph idx="2" type="sldImg"/>
@@ -1265,7 +1265,7 @@
       </p:sp>
       <p:sp>
         <p:nvSpPr>
-          <p:cNvPr id="146" name="Google Shape;146;g11537151841_0_71:notes"/>
+          <p:cNvPr id="158" name="Google Shape;158;g11537151841_0_71:notes"/>
           <p:cNvSpPr txBox="1"/>
           <p:nvPr>
             <p:ph idx="1" type="body"/>
@@ -1315,7 +1315,7 @@
   <p:cSld>
     <p:spTree>
       <p:nvGrpSpPr>
-        <p:cNvPr id="150" name="Shape 150"/>
+        <p:cNvPr id="162" name="Shape 162"/>
         <p:cNvGrpSpPr/>
         <p:nvPr/>
       </p:nvGrpSpPr>
@@ -1329,7 +1329,7 @@
       </p:grpSpPr>
       <p:sp>
         <p:nvSpPr>
-          <p:cNvPr id="151" name="Google Shape;151;gcb9a0b074_1_213:notes"/>
+          <p:cNvPr id="163" name="Google Shape;163;gcb9a0b074_1_213:notes"/>
           <p:cNvSpPr/>
           <p:nvPr>
             <p:ph idx="2" type="sldImg"/>
@@ -1364,7 +1364,7 @@
       </p:sp>
       <p:sp>
         <p:nvSpPr>
-          <p:cNvPr id="152" name="Google Shape;152;gcb9a0b074_1_213:notes"/>
+          <p:cNvPr id="164" name="Google Shape;164;gcb9a0b074_1_213:notes"/>
           <p:cNvSpPr txBox="1"/>
           <p:nvPr>
             <p:ph idx="1" type="body"/>
@@ -1711,7 +1711,7 @@
   <p:cSld>
     <p:spTree>
       <p:nvGrpSpPr>
-        <p:cNvPr id="99" name="Shape 99"/>
+        <p:cNvPr id="95" name="Shape 95"/>
         <p:cNvGrpSpPr/>
         <p:nvPr/>
       </p:nvGrpSpPr>
@@ -1725,7 +1725,7 @@
       </p:grpSpPr>
       <p:sp>
         <p:nvSpPr>
-          <p:cNvPr id="100" name="Google Shape;100;g11537151841_0_43:notes"/>
+          <p:cNvPr id="96" name="Google Shape;96;g11537151841_0_43:notes"/>
           <p:cNvSpPr/>
           <p:nvPr>
             <p:ph idx="2" type="sldImg"/>
@@ -1760,7 +1760,7 @@
       </p:sp>
       <p:sp>
         <p:nvSpPr>
-          <p:cNvPr id="101" name="Google Shape;101;g11537151841_0_43:notes"/>
+          <p:cNvPr id="97" name="Google Shape;97;g11537151841_0_43:notes"/>
           <p:cNvSpPr txBox="1"/>
           <p:nvPr>
             <p:ph idx="1" type="body"/>
@@ -1909,7 +1909,7 @@
   <p:cSld>
     <p:spTree>
       <p:nvGrpSpPr>
-        <p:cNvPr id="109" name="Shape 109"/>
+        <p:cNvPr id="113" name="Shape 113"/>
         <p:cNvGrpSpPr/>
         <p:nvPr/>
       </p:nvGrpSpPr>
@@ -1923,7 +1923,7 @@
       </p:grpSpPr>
       <p:sp>
         <p:nvSpPr>
-          <p:cNvPr id="110" name="Google Shape;110;g11537151841_0_39:notes"/>
+          <p:cNvPr id="114" name="Google Shape;114;g11537151841_0_39:notes"/>
           <p:cNvSpPr/>
           <p:nvPr>
             <p:ph idx="2" type="sldImg"/>
@@ -1958,7 +1958,7 @@
       </p:sp>
       <p:sp>
         <p:nvSpPr>
-          <p:cNvPr id="111" name="Google Shape;111;g11537151841_0_39:notes"/>
+          <p:cNvPr id="115" name="Google Shape;115;g11537151841_0_39:notes"/>
           <p:cNvSpPr txBox="1"/>
           <p:nvPr>
             <p:ph idx="1" type="body"/>
@@ -2008,7 +2008,7 @@
   <p:cSld>
     <p:spTree>
       <p:nvGrpSpPr>
-        <p:cNvPr id="114" name="Shape 114"/>
+        <p:cNvPr id="122" name="Shape 122"/>
         <p:cNvGrpSpPr/>
         <p:nvPr/>
       </p:nvGrpSpPr>
@@ -2022,7 +2022,7 @@
       </p:grpSpPr>
       <p:sp>
         <p:nvSpPr>
-          <p:cNvPr id="115" name="Google Shape;115;g11537151841_0_47:notes"/>
+          <p:cNvPr id="123" name="Google Shape;123;g11537151841_0_47:notes"/>
           <p:cNvSpPr/>
           <p:nvPr>
             <p:ph idx="2" type="sldImg"/>
@@ -2057,7 +2057,7 @@
       </p:sp>
       <p:sp>
         <p:nvSpPr>
-          <p:cNvPr id="116" name="Google Shape;116;g11537151841_0_47:notes"/>
+          <p:cNvPr id="124" name="Google Shape;124;g11537151841_0_47:notes"/>
           <p:cNvSpPr txBox="1"/>
           <p:nvPr>
             <p:ph idx="1" type="body"/>
@@ -2107,7 +2107,7 @@
   <p:cSld>
     <p:spTree>
       <p:nvGrpSpPr>
-        <p:cNvPr id="119" name="Shape 119"/>
+        <p:cNvPr id="131" name="Shape 131"/>
         <p:cNvGrpSpPr/>
         <p:nvPr/>
       </p:nvGrpSpPr>
@@ -2121,7 +2121,7 @@
       </p:grpSpPr>
       <p:sp>
         <p:nvSpPr>
-          <p:cNvPr id="120" name="Google Shape;120;g11537151841_0_55:notes"/>
+          <p:cNvPr id="132" name="Google Shape;132;g11537151841_0_55:notes"/>
           <p:cNvSpPr/>
           <p:nvPr>
             <p:ph idx="2" type="sldImg"/>
@@ -2156,7 +2156,7 @@
       </p:sp>
       <p:sp>
         <p:nvSpPr>
-          <p:cNvPr id="121" name="Google Shape;121;g11537151841_0_55:notes"/>
+          <p:cNvPr id="133" name="Google Shape;133;g11537151841_0_55:notes"/>
           <p:cNvSpPr txBox="1"/>
           <p:nvPr>
             <p:ph idx="1" type="body"/>
@@ -8146,7 +8146,11 @@
             </a:pPr>
             <a:r>
               <a:rPr lang="en" sz="4500"/>
-              <a:t>Github API &amp; Webhooks For Securing Repositories </a:t>
+              <a:t>Using the </a:t>
+            </a:r>
+            <a:r>
+              <a:rPr lang="en" sz="4500"/>
+              <a:t>Github API &amp; Webhooks For Securing Repositories In Organizations</a:t>
             </a:r>
             <a:endParaRPr sz="4500"/>
           </a:p>
@@ -8205,7 +8209,7 @@
   <p:cSld>
     <p:spTree>
       <p:nvGrpSpPr>
-        <p:cNvPr id="127" name="Shape 127"/>
+        <p:cNvPr id="139" name="Shape 139"/>
         <p:cNvGrpSpPr/>
         <p:nvPr/>
       </p:nvGrpSpPr>
@@ -8219,7 +8223,7 @@
       </p:grpSpPr>
       <p:sp>
         <p:nvSpPr>
-          <p:cNvPr id="128" name="Google Shape;128;p22"/>
+          <p:cNvPr id="140" name="Google Shape;140;p22"/>
           <p:cNvSpPr txBox="1"/>
           <p:nvPr>
             <p:ph type="title"/>
@@ -8285,6 +8289,22 @@
                 <a:spcPts val="1000"/>
               </a:spcBef>
               <a:spcAft>
+                <a:spcPts val="0"/>
+              </a:spcAft>
+              <a:buNone/>
+            </a:pPr>
+            <a:r>
+              <a:rPr b="0" lang="en" sz="2400"/>
+              <a:t>Follow the instructions below to create the webhook, but proceed to the next slide for specifics.</a:t>
+            </a:r>
+            <a:endParaRPr b="0" sz="2400"/>
+          </a:p>
+          <a:p>
+            <a:pPr indent="0" lvl="0" marL="0" rtl="0" algn="l">
+              <a:spcBef>
+                <a:spcPts val="1000"/>
+              </a:spcBef>
+              <a:spcAft>
                 <a:spcPts val="1000"/>
               </a:spcAft>
               <a:buNone/>
@@ -8315,7 +8335,7 @@
   <p:cSld>
     <p:spTree>
       <p:nvGrpSpPr>
-        <p:cNvPr id="132" name="Shape 132"/>
+        <p:cNvPr id="144" name="Shape 144"/>
         <p:cNvGrpSpPr/>
         <p:nvPr/>
       </p:nvGrpSpPr>
@@ -8329,7 +8349,7 @@
       </p:grpSpPr>
       <p:sp>
         <p:nvSpPr>
-          <p:cNvPr id="133" name="Google Shape;133;p23"/>
+          <p:cNvPr id="145" name="Google Shape;145;p23"/>
           <p:cNvSpPr txBox="1"/>
           <p:nvPr>
             <p:ph type="title"/>
@@ -8369,11 +8389,31 @@
             </a:r>
             <a:r>
               <a:rPr lang="en"/>
-              <a:t>A Webhook</a:t>
+              <a:t>the</a:t>
+            </a:r>
+            <a:r>
+              <a:rPr lang="en"/>
+              <a:t> Webhook</a:t>
             </a:r>
             <a:endParaRPr/>
           </a:p>
           <a:p>
+            <a:pPr indent="0" lvl="0" marL="0" rtl="0" algn="l">
+              <a:spcBef>
+                <a:spcPts val="1000"/>
+              </a:spcBef>
+              <a:spcAft>
+                <a:spcPts val="0"/>
+              </a:spcAft>
+              <a:buNone/>
+            </a:pPr>
+            <a:r>
+              <a:rPr b="0" lang="en" sz="2400"/>
+              <a:t>Make sure to use the settings below when adding the webhook.</a:t>
+            </a:r>
+            <a:endParaRPr b="0" i="1" sz="1800"/>
+          </a:p>
+          <a:p>
             <a:pPr indent="-342900" lvl="0" marL="457200" rtl="0" algn="l">
               <a:spcBef>
                 <a:spcPts val="1000"/>
@@ -8385,10 +8425,10 @@
               <a:buAutoNum type="arabicPeriod"/>
             </a:pPr>
             <a:r>
-              <a:rPr b="0" lang="en" sz="1800"/>
+              <a:rPr b="0" i="1" lang="en" sz="1800"/>
               <a:t>Use “application/json” for “content type”</a:t>
             </a:r>
-            <a:endParaRPr b="0" sz="1800"/>
+            <a:endParaRPr b="0" i="1" sz="1800"/>
           </a:p>
           <a:p>
             <a:pPr indent="-342900" lvl="0" marL="457200" rtl="0" algn="l">
@@ -8402,10 +8442,10 @@
               <a:buAutoNum type="arabicPeriod"/>
             </a:pPr>
             <a:r>
-              <a:rPr b="0" lang="en" sz="1800"/>
+              <a:rPr b="0" i="1" lang="en" sz="1800"/>
               <a:t>Use the Ngrok URL from the running Ngrok server.</a:t>
             </a:r>
-            <a:endParaRPr b="0" sz="1800"/>
+            <a:endParaRPr b="0" i="1" sz="1800"/>
           </a:p>
           <a:p>
             <a:pPr indent="-342900" lvl="0" marL="457200" rtl="0" algn="l">
@@ -8419,10 +8459,10 @@
               <a:buAutoNum type="arabicPeriod"/>
             </a:pPr>
             <a:r>
-              <a:rPr b="0" lang="en" sz="1800"/>
+              <a:rPr b="0" i="1" lang="en" sz="1800"/>
               <a:t>For “Secret”, use the value we generated in “Generating a secret”.</a:t>
             </a:r>
-            <a:endParaRPr b="0" sz="1800"/>
+            <a:endParaRPr b="0" i="1" sz="1800"/>
           </a:p>
           <a:p>
             <a:pPr indent="-342900" lvl="0" marL="457200" rtl="0" algn="l">
@@ -8436,7 +8476,7 @@
               <a:buAutoNum type="arabicPeriod"/>
             </a:pPr>
             <a:r>
-              <a:rPr b="0" lang="en" sz="1800"/>
+              <a:rPr b="0" i="1" lang="en" sz="1800"/>
               <a:t>For events, choose “let me select individual events” and check just “Repositories”</a:t>
             </a:r>
             <a:endParaRPr b="0" sz="1800"/>
@@ -8456,7 +8496,7 @@
   <p:cSld>
     <p:spTree>
       <p:nvGrpSpPr>
-        <p:cNvPr id="137" name="Shape 137"/>
+        <p:cNvPr id="149" name="Shape 149"/>
         <p:cNvGrpSpPr/>
         <p:nvPr/>
       </p:nvGrpSpPr>
@@ -8470,7 +8510,7 @@
       </p:grpSpPr>
       <p:sp>
         <p:nvSpPr>
-          <p:cNvPr id="138" name="Google Shape;138;p24"/>
+          <p:cNvPr id="150" name="Google Shape;150;p24"/>
           <p:cNvSpPr txBox="1"/>
           <p:nvPr>
             <p:ph type="title"/>
@@ -8527,6 +8567,22 @@
             <a:endParaRPr/>
           </a:p>
           <a:p>
+            <a:pPr indent="0" lvl="0" marL="0" rtl="0" algn="l">
+              <a:spcBef>
+                <a:spcPts val="1000"/>
+              </a:spcBef>
+              <a:spcAft>
+                <a:spcPts val="0"/>
+              </a:spcAft>
+              <a:buNone/>
+            </a:pPr>
+            <a:r>
+              <a:rPr b="0" lang="en" sz="2400"/>
+              <a:t>Simply use the following command to bring up the running app code. Ngrok will pass any requests from Github to our local machine, but this code will be handling the actual requests.</a:t>
+            </a:r>
+            <a:endParaRPr b="0" sz="1800"/>
+          </a:p>
+          <a:p>
             <a:pPr indent="-342900" lvl="0" marL="457200" rtl="0" algn="l">
               <a:spcBef>
                 <a:spcPts val="1000"/>
@@ -8538,7 +8594,7 @@
               <a:buAutoNum type="arabicPeriod"/>
             </a:pPr>
             <a:r>
-              <a:rPr b="0" lang="en" sz="1800"/>
+              <a:rPr b="0" i="1" lang="en" sz="1800"/>
               <a:t>Command: npm run app</a:t>
             </a:r>
             <a:endParaRPr b="0" sz="1800"/>
@@ -8558,7 +8614,7 @@
   <p:cSld>
     <p:spTree>
       <p:nvGrpSpPr>
-        <p:cNvPr id="142" name="Shape 142"/>
+        <p:cNvPr id="154" name="Shape 154"/>
         <p:cNvGrpSpPr/>
         <p:nvPr/>
       </p:nvGrpSpPr>
@@ -8572,7 +8628,7 @@
       </p:grpSpPr>
       <p:sp>
         <p:nvSpPr>
-          <p:cNvPr id="143" name="Google Shape;143;p25"/>
+          <p:cNvPr id="155" name="Google Shape;155;p25"/>
           <p:cNvSpPr txBox="1"/>
           <p:nvPr>
             <p:ph type="title"/>
@@ -8629,6 +8685,22 @@
             <a:endParaRPr/>
           </a:p>
           <a:p>
+            <a:pPr indent="0" lvl="0" marL="0" rtl="0" algn="l">
+              <a:spcBef>
+                <a:spcPts val="1000"/>
+              </a:spcBef>
+              <a:spcAft>
+                <a:spcPts val="0"/>
+              </a:spcAft>
+              <a:buNone/>
+            </a:pPr>
+            <a:r>
+              <a:rPr b="0" lang="en" sz="2400"/>
+              <a:t>Finally, we’ll test by creating a new repository in your organization.</a:t>
+            </a:r>
+            <a:endParaRPr b="0" i="1" sz="1800"/>
+          </a:p>
+          <a:p>
             <a:pPr indent="-342900" lvl="0" marL="457200" rtl="0" algn="l">
               <a:spcBef>
                 <a:spcPts val="1000"/>
@@ -8640,10 +8712,10 @@
               <a:buAutoNum type="arabicPeriod"/>
             </a:pPr>
             <a:r>
-              <a:rPr b="0" lang="en" sz="1800"/>
+              <a:rPr b="0" i="1" lang="en" sz="1800"/>
               <a:t>Open Github.com in your browser</a:t>
             </a:r>
-            <a:endParaRPr b="0" sz="1800"/>
+            <a:endParaRPr b="0" i="1" sz="1800"/>
           </a:p>
           <a:p>
             <a:pPr indent="-342900" lvl="0" marL="457200" rtl="0" algn="l">
@@ -8657,10 +8729,10 @@
               <a:buAutoNum type="arabicPeriod"/>
             </a:pPr>
             <a:r>
-              <a:rPr b="0" lang="en" sz="1800"/>
-              <a:t>Create a new public repository in your organization</a:t>
+              <a:rPr b="0" i="1" lang="en" sz="1800"/>
+              <a:t>Create a new public repository with whatever name you like.</a:t>
             </a:r>
-            <a:endParaRPr b="0" sz="1800"/>
+            <a:endParaRPr b="0" i="1" sz="1800"/>
           </a:p>
           <a:p>
             <a:pPr indent="-342900" lvl="0" marL="457200" rtl="0" algn="l">
@@ -8674,8 +8746,8 @@
               <a:buAutoNum type="arabicPeriod"/>
             </a:pPr>
             <a:r>
-              <a:rPr b="0" lang="en" sz="1800"/>
-              <a:t>Validate the branches and branch protection rules.</a:t>
+              <a:rPr b="0" i="1" lang="en" sz="1800"/>
+              <a:t>Validate the branches, branch protection rules, and issue creation.</a:t>
             </a:r>
             <a:endParaRPr b="0" sz="1800"/>
           </a:p>
@@ -8694,7 +8766,7 @@
   <p:cSld>
     <p:spTree>
       <p:nvGrpSpPr>
-        <p:cNvPr id="147" name="Shape 147"/>
+        <p:cNvPr id="159" name="Shape 159"/>
         <p:cNvGrpSpPr/>
         <p:nvPr/>
       </p:nvGrpSpPr>
@@ -8708,7 +8780,7 @@
       </p:grpSpPr>
       <p:sp>
         <p:nvSpPr>
-          <p:cNvPr id="148" name="Google Shape;148;p26"/>
+          <p:cNvPr id="160" name="Google Shape;160;p26"/>
           <p:cNvSpPr txBox="1"/>
           <p:nvPr>
             <p:ph idx="4294967295" type="title"/>
@@ -8752,7 +8824,7 @@
       </p:sp>
       <p:sp>
         <p:nvSpPr>
-          <p:cNvPr id="149" name="Google Shape;149;p26"/>
+          <p:cNvPr id="161" name="Google Shape;161;p26"/>
           <p:cNvSpPr txBox="1"/>
           <p:nvPr>
             <p:ph idx="4294967295" type="title"/>
@@ -8801,7 +8873,7 @@
                 <a:cs typeface="Lato"/>
                 <a:sym typeface="Lato"/>
               </a:rPr>
-              <a:t>achieve</a:t>
+              <a:t>achieves</a:t>
             </a:r>
             <a:r>
               <a:rPr b="0" lang="en" sz="1800">
@@ -8810,7 +8882,7 @@
                 <a:cs typeface="Lato"/>
                 <a:sym typeface="Lato"/>
               </a:rPr>
-              <a:t> strict security across newly created repositories.</a:t>
+              <a:t> strict security across newly created repositories, as well as a proposed branch structure.</a:t>
             </a:r>
             <a:endParaRPr b="0" sz="1800">
               <a:latin typeface="Lato"/>
@@ -8839,7 +8911,7 @@
                 <a:cs typeface="Lato"/>
                 <a:sym typeface="Lato"/>
               </a:rPr>
-              <a:t>The code could be engineered to protect repositories that are updated, or even process existing repositories.</a:t>
+              <a:t>The code could be engineered to protect repositories that are updated, or even process existing repositories, making security improvements with little effort.</a:t>
             </a:r>
             <a:endParaRPr b="0" sz="1800">
               <a:latin typeface="Lato"/>
@@ -8870,7 +8942,7 @@
     </p:bg>
     <p:spTree>
       <p:nvGrpSpPr>
-        <p:cNvPr id="153" name="Shape 153"/>
+        <p:cNvPr id="165" name="Shape 165"/>
         <p:cNvGrpSpPr/>
         <p:nvPr/>
       </p:nvGrpSpPr>
@@ -8884,7 +8956,7 @@
       </p:grpSpPr>
       <p:pic>
         <p:nvPicPr>
-          <p:cNvPr id="154" name="Google Shape;154;p27"/>
+          <p:cNvPr id="166" name="Google Shape;166;p27"/>
           <p:cNvPicPr preferRelativeResize="0"/>
           <p:nvPr/>
         </p:nvPicPr>
@@ -8912,7 +8984,7 @@
       </p:pic>
       <p:pic>
         <p:nvPicPr>
-          <p:cNvPr descr="Piece of duct tape sticking a note to the slide" id="155" name="Google Shape;155;p27"/>
+          <p:cNvPr descr="Piece of duct tape sticking a note to the slide" id="167" name="Google Shape;167;p27"/>
           <p:cNvPicPr preferRelativeResize="0"/>
           <p:nvPr/>
         </p:nvPicPr>
@@ -8939,7 +9011,7 @@
       </p:pic>
       <p:sp>
         <p:nvSpPr>
-          <p:cNvPr id="156" name="Google Shape;156;p27"/>
+          <p:cNvPr id="168" name="Google Shape;168;p27"/>
           <p:cNvSpPr txBox="1"/>
           <p:nvPr/>
         </p:nvSpPr>
@@ -8997,7 +9069,7 @@
       </p:sp>
       <p:sp>
         <p:nvSpPr>
-          <p:cNvPr id="157" name="Google Shape;157;p27"/>
+          <p:cNvPr id="169" name="Google Shape;169;p27"/>
           <p:cNvSpPr txBox="1"/>
           <p:nvPr>
             <p:ph idx="4294967295" type="body"/>
@@ -9159,7 +9231,7 @@
                 <a:cs typeface="Lato"/>
                 <a:sym typeface="Lato"/>
               </a:rPr>
-              <a:t>In this demo, we’ll be covering how webhooks can be configured in a GitHub organization in order to automate security settings, which will enable your company to stay agile, while maintaining a posture of “security-first”.</a:t>
+              <a:t>In this demo, we’ll be covering how webhooks can be configured in a GitHub organization in order to automate security settings via the Github API. This will enable your company to stay agile, while maintaining a posture of “security-first”.</a:t>
             </a:r>
             <a:endParaRPr b="0" sz="1800">
               <a:latin typeface="Lato"/>
@@ -9778,7 +9850,7 @@
                 </a:solidFill>
                 <a:hlinkClick r:id="rId6"/>
               </a:rPr>
-              <a:t>Cloning the demo </a:t>
+              <a:t>Clone the demo </a:t>
             </a:r>
             <a:r>
               <a:rPr b="0" lang="en" sz="2400" u="sng">
@@ -9810,28 +9882,149 @@
           </a:p>
         </p:txBody>
       </p:sp>
+    </p:spTree>
+  </p:cSld>
+  <p:clrMapOvr>
+    <a:masterClrMapping/>
+  </p:clrMapOvr>
+</p:sld>
+</file>
+
+<file path=ppt/slides/slide5.xml><?xml version="1.0" encoding="utf-8"?>
+<p:sld xmlns:a="http://schemas.openxmlformats.org/drawingml/2006/main" xmlns:r="http://schemas.openxmlformats.org/officeDocument/2006/relationships" xmlns:mc="http://schemas.openxmlformats.org/markup-compatibility/2006" xmlns:mv="urn:schemas-microsoft-com:mac:vml" xmlns:p="http://schemas.openxmlformats.org/presentationml/2006/main" xmlns:c="http://schemas.openxmlformats.org/drawingml/2006/chart" xmlns:dgm="http://schemas.openxmlformats.org/drawingml/2006/diagram" xmlns:o="urn:schemas-microsoft-com:office:office" xmlns:v="urn:schemas-microsoft-com:vml" xmlns:pvml="urn:schemas-microsoft-com:office:powerpoint" xmlns:com="http://schemas.openxmlformats.org/drawingml/2006/compatibility" xmlns:p14="http://schemas.microsoft.com/office/powerpoint/2010/main" xmlns:p15="http://schemas.microsoft.com/office/powerpoint/2012/main" xmlns:ahyp="http://schemas.microsoft.com/office/drawing/2018/hyperlinkcolor">
+  <p:cSld>
+    <p:spTree>
+      <p:nvGrpSpPr>
+        <p:cNvPr id="98" name="Shape 98"/>
+        <p:cNvGrpSpPr/>
+        <p:nvPr/>
+      </p:nvGrpSpPr>
+      <p:grpSpPr>
+        <a:xfrm>
+          <a:off x="0" y="0"/>
+          <a:ext cx="0" cy="0"/>
+          <a:chOff x="0" y="0"/>
+          <a:chExt cx="0" cy="0"/>
+        </a:xfrm>
+      </p:grpSpPr>
+      <p:sp>
+        <p:nvSpPr>
+          <p:cNvPr id="99" name="Google Shape;99;p17"/>
+          <p:cNvSpPr txBox="1"/>
+          <p:nvPr>
+            <p:ph type="title"/>
+          </p:nvPr>
+        </p:nvSpPr>
+        <p:spPr>
+          <a:xfrm>
+            <a:off x="283099" y="712150"/>
+            <a:ext cx="8622300" cy="3835500"/>
+          </a:xfrm>
+          <a:prstGeom prst="rect">
+            <a:avLst/>
+          </a:prstGeom>
+        </p:spPr>
+        <p:txBody>
+          <a:bodyPr anchorCtr="0" anchor="t" bIns="91425" lIns="91425" spcFirstLastPara="1" rIns="91425" wrap="square" tIns="91425">
+            <a:noAutofit/>
+          </a:bodyPr>
+          <a:lstStyle/>
+          <a:p>
+            <a:pPr indent="0" lvl="0" marL="0" rtl="0" algn="l">
+              <a:spcBef>
+                <a:spcPts val="0"/>
+              </a:spcBef>
+              <a:spcAft>
+                <a:spcPts val="0"/>
+              </a:spcAft>
+              <a:buNone/>
+            </a:pPr>
+            <a:r>
+              <a:rPr lang="en">
+                <a:solidFill>
+                  <a:schemeClr val="accent5"/>
+                </a:solidFill>
+              </a:rPr>
+              <a:t>Installing</a:t>
+            </a:r>
+            <a:r>
+              <a:rPr lang="en"/>
+              <a:t> Node Packages</a:t>
+            </a:r>
+            <a:endParaRPr/>
+          </a:p>
+          <a:p>
+            <a:pPr indent="0" lvl="0" marL="0" rtl="0" algn="l">
+              <a:spcBef>
+                <a:spcPts val="1000"/>
+              </a:spcBef>
+              <a:spcAft>
+                <a:spcPts val="0"/>
+              </a:spcAft>
+              <a:buNone/>
+            </a:pPr>
+            <a:r>
+              <a:rPr b="0" lang="en" sz="2400"/>
+              <a:t>Node.JS offers an automated approach to package installation. We will simply be installing Github’s official API wrapper called “Octokit” with the following command.</a:t>
+            </a:r>
+            <a:endParaRPr b="0" sz="2400"/>
+          </a:p>
+          <a:p>
+            <a:pPr indent="-342900" lvl="0" marL="457200" rtl="0" algn="l">
+              <a:spcBef>
+                <a:spcPts val="1000"/>
+              </a:spcBef>
+              <a:spcAft>
+                <a:spcPts val="0"/>
+              </a:spcAft>
+              <a:buSzPts val="1800"/>
+              <a:buAutoNum type="arabicPeriod"/>
+            </a:pPr>
+            <a:r>
+              <a:rPr b="0" i="1" lang="en" sz="1800"/>
+              <a:t>Command: npm i</a:t>
+            </a:r>
+            <a:endParaRPr b="0" i="1" sz="1800"/>
+          </a:p>
+          <a:p>
+            <a:pPr indent="0" lvl="0" marL="0" rtl="0" algn="l">
+              <a:spcBef>
+                <a:spcPts val="1000"/>
+              </a:spcBef>
+              <a:spcAft>
+                <a:spcPts val="1000"/>
+              </a:spcAft>
+              <a:buNone/>
+            </a:pPr>
+            <a:r>
+              <a:t/>
+            </a:r>
+            <a:endParaRPr sz="2400"/>
+          </a:p>
+        </p:txBody>
+      </p:sp>
       <p:grpSp>
         <p:nvGrpSpPr>
-          <p:cNvPr id="95" name="Google Shape;95;p16"/>
+          <p:cNvPr id="100" name="Google Shape;100;p17"/>
           <p:cNvGrpSpPr/>
           <p:nvPr/>
         </p:nvGrpSpPr>
         <p:grpSpPr>
           <a:xfrm>
-            <a:off x="6781388" y="2464035"/>
-            <a:ext cx="2212050" cy="2537076"/>
+            <a:off x="7146161" y="3066327"/>
+            <a:ext cx="1846840" cy="1934774"/>
             <a:chOff x="6803275" y="395363"/>
             <a:chExt cx="2212050" cy="2537076"/>
           </a:xfrm>
         </p:grpSpPr>
         <p:pic>
           <p:nvPicPr>
-            <p:cNvPr id="96" name="Google Shape;96;p16"/>
+            <p:cNvPr id="101" name="Google Shape;101;p17"/>
             <p:cNvPicPr preferRelativeResize="0"/>
             <p:nvPr/>
           </p:nvPicPr>
           <p:blipFill>
-            <a:blip r:embed="rId8">
+            <a:blip r:embed="rId3">
               <a:alphaModFix/>
             </a:blip>
             <a:stretch>
@@ -9854,12 +10047,12 @@
         </p:pic>
         <p:pic>
           <p:nvPicPr>
-            <p:cNvPr descr="Piece of duct tape sticking a note to the slide" id="97" name="Google Shape;97;p16"/>
+            <p:cNvPr descr="Piece of duct tape sticking a note to the slide" id="102" name="Google Shape;102;p17"/>
             <p:cNvPicPr preferRelativeResize="0"/>
             <p:nvPr/>
           </p:nvPicPr>
           <p:blipFill rotWithShape="1">
-            <a:blip r:embed="rId9">
+            <a:blip r:embed="rId4">
               <a:alphaModFix/>
             </a:blip>
             <a:srcRect b="10011" l="9244" r="2118" t="5926"/>
@@ -9881,7 +10074,7 @@
         </p:pic>
         <p:sp>
           <p:nvSpPr>
-            <p:cNvPr id="98" name="Google Shape;98;p16"/>
+            <p:cNvPr id="103" name="Google Shape;103;p17"/>
             <p:cNvSpPr txBox="1"/>
             <p:nvPr/>
           </p:nvSpPr>
@@ -9960,7 +10153,7 @@
                   <a:cs typeface="Raleway"/>
                   <a:sym typeface="Raleway"/>
                 </a:rPr>
-                <a:t>Follow the installation instructions in the links.</a:t>
+                <a:t>Don’t forget to execute all commands from within the repository directory.</a:t>
               </a:r>
               <a:endParaRPr b="1" sz="1200">
                 <a:solidFill>
@@ -9975,127 +10168,6 @@
           </p:txBody>
         </p:sp>
       </p:grpSp>
-    </p:spTree>
-  </p:cSld>
-  <p:clrMapOvr>
-    <a:masterClrMapping/>
-  </p:clrMapOvr>
-</p:sld>
-</file>
-
-<file path=ppt/slides/slide5.xml><?xml version="1.0" encoding="utf-8"?>
-<p:sld xmlns:a="http://schemas.openxmlformats.org/drawingml/2006/main" xmlns:r="http://schemas.openxmlformats.org/officeDocument/2006/relationships" xmlns:mc="http://schemas.openxmlformats.org/markup-compatibility/2006" xmlns:mv="urn:schemas-microsoft-com:mac:vml" xmlns:p="http://schemas.openxmlformats.org/presentationml/2006/main" xmlns:c="http://schemas.openxmlformats.org/drawingml/2006/chart" xmlns:dgm="http://schemas.openxmlformats.org/drawingml/2006/diagram" xmlns:o="urn:schemas-microsoft-com:office:office" xmlns:v="urn:schemas-microsoft-com:vml" xmlns:pvml="urn:schemas-microsoft-com:office:powerpoint" xmlns:com="http://schemas.openxmlformats.org/drawingml/2006/compatibility" xmlns:p14="http://schemas.microsoft.com/office/powerpoint/2010/main" xmlns:p15="http://schemas.microsoft.com/office/powerpoint/2012/main" xmlns:ahyp="http://schemas.microsoft.com/office/drawing/2018/hyperlinkcolor">
-  <p:cSld>
-    <p:spTree>
-      <p:nvGrpSpPr>
-        <p:cNvPr id="102" name="Shape 102"/>
-        <p:cNvGrpSpPr/>
-        <p:nvPr/>
-      </p:nvGrpSpPr>
-      <p:grpSpPr>
-        <a:xfrm>
-          <a:off x="0" y="0"/>
-          <a:ext cx="0" cy="0"/>
-          <a:chOff x="0" y="0"/>
-          <a:chExt cx="0" cy="0"/>
-        </a:xfrm>
-      </p:grpSpPr>
-      <p:sp>
-        <p:nvSpPr>
-          <p:cNvPr id="103" name="Google Shape;103;p17"/>
-          <p:cNvSpPr txBox="1"/>
-          <p:nvPr>
-            <p:ph type="title"/>
-          </p:nvPr>
-        </p:nvSpPr>
-        <p:spPr>
-          <a:xfrm>
-            <a:off x="283099" y="712150"/>
-            <a:ext cx="8622300" cy="3835500"/>
-          </a:xfrm>
-          <a:prstGeom prst="rect">
-            <a:avLst/>
-          </a:prstGeom>
-        </p:spPr>
-        <p:txBody>
-          <a:bodyPr anchorCtr="0" anchor="t" bIns="91425" lIns="91425" spcFirstLastPara="1" rIns="91425" wrap="square" tIns="91425">
-            <a:noAutofit/>
-          </a:bodyPr>
-          <a:lstStyle/>
-          <a:p>
-            <a:pPr indent="0" lvl="0" marL="0" rtl="0" algn="l">
-              <a:spcBef>
-                <a:spcPts val="0"/>
-              </a:spcBef>
-              <a:spcAft>
-                <a:spcPts val="0"/>
-              </a:spcAft>
-              <a:buNone/>
-            </a:pPr>
-            <a:r>
-              <a:rPr lang="en">
-                <a:solidFill>
-                  <a:schemeClr val="accent5"/>
-                </a:solidFill>
-              </a:rPr>
-              <a:t>Installing</a:t>
-            </a:r>
-            <a:r>
-              <a:rPr lang="en"/>
-              <a:t> Node Packages</a:t>
-            </a:r>
-            <a:endParaRPr/>
-          </a:p>
-          <a:p>
-            <a:pPr indent="0" lvl="0" marL="0" rtl="0" algn="l">
-              <a:spcBef>
-                <a:spcPts val="1000"/>
-              </a:spcBef>
-              <a:spcAft>
-                <a:spcPts val="0"/>
-              </a:spcAft>
-              <a:buNone/>
-            </a:pPr>
-            <a:r>
-              <a:rPr b="0" lang="en" sz="2400"/>
-              <a:t>Node.JS offers an automated approach to package installation. We will simply be installing Github’s official API wrapper called “Octokit”</a:t>
-            </a:r>
-            <a:endParaRPr b="0" sz="2400"/>
-          </a:p>
-          <a:p>
-            <a:pPr indent="-342900" lvl="0" marL="457200" rtl="0" algn="l">
-              <a:spcBef>
-                <a:spcPts val="1000"/>
-              </a:spcBef>
-              <a:spcAft>
-                <a:spcPts val="0"/>
-              </a:spcAft>
-              <a:buSzPts val="1800"/>
-              <a:buAutoNum type="arabicPeriod"/>
-            </a:pPr>
-            <a:r>
-              <a:rPr b="0" i="1" lang="en" sz="1800"/>
-              <a:t>Command: npm i</a:t>
-            </a:r>
-            <a:endParaRPr b="0" i="1" sz="1800"/>
-          </a:p>
-          <a:p>
-            <a:pPr indent="0" lvl="0" marL="0" rtl="0" algn="l">
-              <a:spcBef>
-                <a:spcPts val="1000"/>
-              </a:spcBef>
-              <a:spcAft>
-                <a:spcPts val="1000"/>
-              </a:spcAft>
-              <a:buNone/>
-            </a:pPr>
-            <a:r>
-              <a:t/>
-            </a:r>
-            <a:endParaRPr sz="2400"/>
-          </a:p>
-        </p:txBody>
-      </p:sp>
     </p:spTree>
   </p:cSld>
   <p:clrMapOvr>
@@ -10179,7 +10251,23 @@
             </a:pPr>
             <a:r>
               <a:rPr b="0" lang="en" sz="2400"/>
-              <a:t>A secret helps secure the webhook communication between the webhook code and Github in the form of authentication.</a:t>
+              <a:t>A secret helps secure the webhook communication between the webhook code and Github in the form of authentication via hash calculation.</a:t>
+            </a:r>
+            <a:endParaRPr b="0" sz="2400"/>
+          </a:p>
+          <a:p>
+            <a:pPr indent="0" lvl="0" marL="0" rtl="0" algn="l">
+              <a:spcBef>
+                <a:spcPts val="1000"/>
+              </a:spcBef>
+              <a:spcAft>
+                <a:spcPts val="0"/>
+              </a:spcAft>
+              <a:buNone/>
+            </a:pPr>
+            <a:r>
+              <a:rPr b="0" lang="en" sz="2400"/>
+              <a:t>We will use the results of this command in a later step.</a:t>
             </a:r>
             <a:endParaRPr b="0" sz="2400"/>
           </a:p>
@@ -10206,6 +10294,171 @@
           </a:p>
         </p:txBody>
       </p:sp>
+      <p:grpSp>
+        <p:nvGrpSpPr>
+          <p:cNvPr id="109" name="Google Shape;109;p18"/>
+          <p:cNvGrpSpPr/>
+          <p:nvPr/>
+        </p:nvGrpSpPr>
+        <p:grpSpPr>
+          <a:xfrm>
+            <a:off x="7459408" y="3610362"/>
+            <a:ext cx="1533172" cy="1390825"/>
+            <a:chOff x="6803275" y="395363"/>
+            <a:chExt cx="2212050" cy="2537076"/>
+          </a:xfrm>
+        </p:grpSpPr>
+        <p:pic>
+          <p:nvPicPr>
+            <p:cNvPr id="110" name="Google Shape;110;p18"/>
+            <p:cNvPicPr preferRelativeResize="0"/>
+            <p:nvPr/>
+          </p:nvPicPr>
+          <p:blipFill>
+            <a:blip r:embed="rId3">
+              <a:alphaModFix/>
+            </a:blip>
+            <a:stretch>
+              <a:fillRect/>
+            </a:stretch>
+          </p:blipFill>
+          <p:spPr>
+            <a:xfrm>
+              <a:off x="6803275" y="427445"/>
+              <a:ext cx="2212050" cy="2504994"/>
+            </a:xfrm>
+            <a:prstGeom prst="rect">
+              <a:avLst/>
+            </a:prstGeom>
+            <a:noFill/>
+            <a:ln>
+              <a:noFill/>
+            </a:ln>
+          </p:spPr>
+        </p:pic>
+        <p:pic>
+          <p:nvPicPr>
+            <p:cNvPr descr="Piece of duct tape sticking a note to the slide" id="111" name="Google Shape;111;p18"/>
+            <p:cNvPicPr preferRelativeResize="0"/>
+            <p:nvPr/>
+          </p:nvPicPr>
+          <p:blipFill rotWithShape="1">
+            <a:blip r:embed="rId4">
+              <a:alphaModFix/>
+            </a:blip>
+            <a:srcRect b="10011" l="9244" r="2118" t="5926"/>
+            <a:stretch/>
+          </p:blipFill>
+          <p:spPr>
+            <a:xfrm rot="154826">
+              <a:off x="7370663" y="419419"/>
+              <a:ext cx="1077273" cy="382687"/>
+            </a:xfrm>
+            <a:prstGeom prst="rect">
+              <a:avLst/>
+            </a:prstGeom>
+            <a:noFill/>
+            <a:ln>
+              <a:noFill/>
+            </a:ln>
+          </p:spPr>
+        </p:pic>
+        <p:sp>
+          <p:nvSpPr>
+            <p:cNvPr id="112" name="Google Shape;112;p18"/>
+            <p:cNvSpPr txBox="1"/>
+            <p:nvPr/>
+          </p:nvSpPr>
+          <p:spPr>
+            <a:xfrm>
+              <a:off x="6944800" y="684231"/>
+              <a:ext cx="1929000" cy="2004000"/>
+            </a:xfrm>
+            <a:prstGeom prst="rect">
+              <a:avLst/>
+            </a:prstGeom>
+            <a:noFill/>
+            <a:ln>
+              <a:noFill/>
+            </a:ln>
+          </p:spPr>
+          <p:txBody>
+            <a:bodyPr anchorCtr="0" anchor="t" bIns="91425" lIns="91425" spcFirstLastPara="1" rIns="91425" wrap="square" tIns="91425">
+              <a:noAutofit/>
+            </a:bodyPr>
+            <a:lstStyle/>
+            <a:p>
+              <a:pPr indent="0" lvl="0" marL="0" rtl="0" algn="l">
+                <a:spcBef>
+                  <a:spcPts val="0"/>
+                </a:spcBef>
+                <a:spcAft>
+                  <a:spcPts val="0"/>
+                </a:spcAft>
+                <a:buClr>
+                  <a:schemeClr val="dk2"/>
+                </a:buClr>
+                <a:buSzPts val="1100"/>
+                <a:buFont typeface="Arial"/>
+                <a:buNone/>
+              </a:pPr>
+              <a:r>
+                <a:rPr b="1" lang="en">
+                  <a:solidFill>
+                    <a:schemeClr val="dk1"/>
+                  </a:solidFill>
+                  <a:latin typeface="Raleway"/>
+                  <a:ea typeface="Raleway"/>
+                  <a:cs typeface="Raleway"/>
+                  <a:sym typeface="Raleway"/>
+                </a:rPr>
+                <a:t>Tip</a:t>
+              </a:r>
+              <a:endParaRPr b="1">
+                <a:solidFill>
+                  <a:schemeClr val="dk1"/>
+                </a:solidFill>
+                <a:latin typeface="Raleway"/>
+                <a:ea typeface="Raleway"/>
+                <a:cs typeface="Raleway"/>
+                <a:sym typeface="Raleway"/>
+              </a:endParaRPr>
+            </a:p>
+            <a:p>
+              <a:pPr indent="0" lvl="0" marL="0" rtl="0" algn="l">
+                <a:spcBef>
+                  <a:spcPts val="800"/>
+                </a:spcBef>
+                <a:spcAft>
+                  <a:spcPts val="800"/>
+                </a:spcAft>
+                <a:buNone/>
+              </a:pPr>
+              <a:r>
+                <a:rPr lang="en" sz="1200">
+                  <a:solidFill>
+                    <a:schemeClr val="dk2"/>
+                  </a:solidFill>
+                  <a:latin typeface="Raleway"/>
+                  <a:ea typeface="Raleway"/>
+                  <a:cs typeface="Raleway"/>
+                  <a:sym typeface="Raleway"/>
+                </a:rPr>
+                <a:t>Make sure to copy/paste this for later!</a:t>
+              </a:r>
+              <a:endParaRPr b="1" sz="1200">
+                <a:solidFill>
+                  <a:schemeClr val="dk2"/>
+                </a:solidFill>
+                <a:latin typeface="Raleway"/>
+                <a:ea typeface="Raleway"/>
+                <a:cs typeface="Raleway"/>
+                <a:sym typeface="Raleway"/>
+              </a:endParaRPr>
+            </a:p>
+          </p:txBody>
+        </p:sp>
+      </p:grpSp>
     </p:spTree>
   </p:cSld>
   <p:clrMapOvr>
@@ -10219,7 +10472,7 @@
   <p:cSld>
     <p:spTree>
       <p:nvGrpSpPr>
-        <p:cNvPr id="112" name="Shape 112"/>
+        <p:cNvPr id="116" name="Shape 116"/>
         <p:cNvGrpSpPr/>
         <p:nvPr/>
       </p:nvGrpSpPr>
@@ -10233,7 +10486,7 @@
       </p:grpSpPr>
       <p:sp>
         <p:nvSpPr>
-          <p:cNvPr id="113" name="Google Shape;113;p19"/>
+          <p:cNvPr id="117" name="Google Shape;117;p19"/>
           <p:cNvSpPr txBox="1"/>
           <p:nvPr>
             <p:ph type="title"/>
@@ -10299,6 +10552,22 @@
                 <a:spcPts val="1000"/>
               </a:spcBef>
               <a:spcAft>
+                <a:spcPts val="0"/>
+              </a:spcAft>
+              <a:buNone/>
+            </a:pPr>
+            <a:r>
+              <a:rPr b="0" lang="en" sz="2400"/>
+              <a:t>Follow the instructions below.</a:t>
+            </a:r>
+            <a:endParaRPr b="0" sz="2400"/>
+          </a:p>
+          <a:p>
+            <a:pPr indent="0" lvl="0" marL="0" rtl="0" algn="l">
+              <a:spcBef>
+                <a:spcPts val="1000"/>
+              </a:spcBef>
+              <a:spcAft>
                 <a:spcPts val="1000"/>
               </a:spcAft>
               <a:buNone/>
@@ -10316,6 +10585,171 @@
           </a:p>
         </p:txBody>
       </p:sp>
+      <p:grpSp>
+        <p:nvGrpSpPr>
+          <p:cNvPr id="118" name="Google Shape;118;p19"/>
+          <p:cNvGrpSpPr/>
+          <p:nvPr/>
+        </p:nvGrpSpPr>
+        <p:grpSpPr>
+          <a:xfrm>
+            <a:off x="7459408" y="3610362"/>
+            <a:ext cx="1533172" cy="1390825"/>
+            <a:chOff x="6803275" y="395363"/>
+            <a:chExt cx="2212050" cy="2537076"/>
+          </a:xfrm>
+        </p:grpSpPr>
+        <p:pic>
+          <p:nvPicPr>
+            <p:cNvPr id="119" name="Google Shape;119;p19"/>
+            <p:cNvPicPr preferRelativeResize="0"/>
+            <p:nvPr/>
+          </p:nvPicPr>
+          <p:blipFill>
+            <a:blip r:embed="rId4">
+              <a:alphaModFix/>
+            </a:blip>
+            <a:stretch>
+              <a:fillRect/>
+            </a:stretch>
+          </p:blipFill>
+          <p:spPr>
+            <a:xfrm>
+              <a:off x="6803275" y="427445"/>
+              <a:ext cx="2212050" cy="2504994"/>
+            </a:xfrm>
+            <a:prstGeom prst="rect">
+              <a:avLst/>
+            </a:prstGeom>
+            <a:noFill/>
+            <a:ln>
+              <a:noFill/>
+            </a:ln>
+          </p:spPr>
+        </p:pic>
+        <p:pic>
+          <p:nvPicPr>
+            <p:cNvPr descr="Piece of duct tape sticking a note to the slide" id="120" name="Google Shape;120;p19"/>
+            <p:cNvPicPr preferRelativeResize="0"/>
+            <p:nvPr/>
+          </p:nvPicPr>
+          <p:blipFill rotWithShape="1">
+            <a:blip r:embed="rId5">
+              <a:alphaModFix/>
+            </a:blip>
+            <a:srcRect b="10011" l="9244" r="2118" t="5926"/>
+            <a:stretch/>
+          </p:blipFill>
+          <p:spPr>
+            <a:xfrm rot="154826">
+              <a:off x="7370663" y="419419"/>
+              <a:ext cx="1077273" cy="382687"/>
+            </a:xfrm>
+            <a:prstGeom prst="rect">
+              <a:avLst/>
+            </a:prstGeom>
+            <a:noFill/>
+            <a:ln>
+              <a:noFill/>
+            </a:ln>
+          </p:spPr>
+        </p:pic>
+        <p:sp>
+          <p:nvSpPr>
+            <p:cNvPr id="121" name="Google Shape;121;p19"/>
+            <p:cNvSpPr txBox="1"/>
+            <p:nvPr/>
+          </p:nvSpPr>
+          <p:spPr>
+            <a:xfrm>
+              <a:off x="6944800" y="684231"/>
+              <a:ext cx="1929000" cy="2004000"/>
+            </a:xfrm>
+            <a:prstGeom prst="rect">
+              <a:avLst/>
+            </a:prstGeom>
+            <a:noFill/>
+            <a:ln>
+              <a:noFill/>
+            </a:ln>
+          </p:spPr>
+          <p:txBody>
+            <a:bodyPr anchorCtr="0" anchor="t" bIns="91425" lIns="91425" spcFirstLastPara="1" rIns="91425" wrap="square" tIns="91425">
+              <a:noAutofit/>
+            </a:bodyPr>
+            <a:lstStyle/>
+            <a:p>
+              <a:pPr indent="0" lvl="0" marL="0" rtl="0" algn="l">
+                <a:spcBef>
+                  <a:spcPts val="0"/>
+                </a:spcBef>
+                <a:spcAft>
+                  <a:spcPts val="0"/>
+                </a:spcAft>
+                <a:buClr>
+                  <a:schemeClr val="dk2"/>
+                </a:buClr>
+                <a:buSzPts val="1100"/>
+                <a:buFont typeface="Arial"/>
+                <a:buNone/>
+              </a:pPr>
+              <a:r>
+                <a:rPr b="1" lang="en">
+                  <a:solidFill>
+                    <a:schemeClr val="dk1"/>
+                  </a:solidFill>
+                  <a:latin typeface="Raleway"/>
+                  <a:ea typeface="Raleway"/>
+                  <a:cs typeface="Raleway"/>
+                  <a:sym typeface="Raleway"/>
+                </a:rPr>
+                <a:t>Tip</a:t>
+              </a:r>
+              <a:endParaRPr b="1">
+                <a:solidFill>
+                  <a:schemeClr val="dk1"/>
+                </a:solidFill>
+                <a:latin typeface="Raleway"/>
+                <a:ea typeface="Raleway"/>
+                <a:cs typeface="Raleway"/>
+                <a:sym typeface="Raleway"/>
+              </a:endParaRPr>
+            </a:p>
+            <a:p>
+              <a:pPr indent="0" lvl="0" marL="0" rtl="0" algn="l">
+                <a:spcBef>
+                  <a:spcPts val="800"/>
+                </a:spcBef>
+                <a:spcAft>
+                  <a:spcPts val="800"/>
+                </a:spcAft>
+                <a:buNone/>
+              </a:pPr>
+              <a:r>
+                <a:rPr lang="en" sz="1200">
+                  <a:solidFill>
+                    <a:schemeClr val="dk2"/>
+                  </a:solidFill>
+                  <a:latin typeface="Raleway"/>
+                  <a:ea typeface="Raleway"/>
+                  <a:cs typeface="Raleway"/>
+                  <a:sym typeface="Raleway"/>
+                </a:rPr>
+                <a:t>Make sure to copy/paste this for later!</a:t>
+              </a:r>
+              <a:endParaRPr b="1" sz="1200">
+                <a:solidFill>
+                  <a:schemeClr val="dk2"/>
+                </a:solidFill>
+                <a:latin typeface="Raleway"/>
+                <a:ea typeface="Raleway"/>
+                <a:cs typeface="Raleway"/>
+                <a:sym typeface="Raleway"/>
+              </a:endParaRPr>
+            </a:p>
+          </p:txBody>
+        </p:sp>
+      </p:grpSp>
     </p:spTree>
   </p:cSld>
   <p:clrMapOvr>
@@ -10329,7 +10763,7 @@
   <p:cSld>
     <p:spTree>
       <p:nvGrpSpPr>
-        <p:cNvPr id="117" name="Shape 117"/>
+        <p:cNvPr id="125" name="Shape 125"/>
         <p:cNvGrpSpPr/>
         <p:nvPr/>
       </p:nvGrpSpPr>
@@ -10343,7 +10777,342 @@
       </p:grpSpPr>
       <p:sp>
         <p:nvSpPr>
-          <p:cNvPr id="118" name="Google Shape;118;p20"/>
+          <p:cNvPr id="126" name="Google Shape;126;p20"/>
+          <p:cNvSpPr txBox="1"/>
+          <p:nvPr>
+            <p:ph type="title"/>
+          </p:nvPr>
+        </p:nvSpPr>
+        <p:spPr>
+          <a:xfrm>
+            <a:off x="283100" y="712150"/>
+            <a:ext cx="8709900" cy="3835500"/>
+          </a:xfrm>
+          <a:prstGeom prst="rect">
+            <a:avLst/>
+          </a:prstGeom>
+        </p:spPr>
+        <p:txBody>
+          <a:bodyPr anchorCtr="0" anchor="t" bIns="91425" lIns="91425" spcFirstLastPara="1" rIns="91425" wrap="square" tIns="91425">
+            <a:noAutofit/>
+          </a:bodyPr>
+          <a:lstStyle/>
+          <a:p>
+            <a:pPr indent="0" lvl="0" marL="0" rtl="0" algn="l">
+              <a:spcBef>
+                <a:spcPts val="0"/>
+              </a:spcBef>
+              <a:spcAft>
+                <a:spcPts val="0"/>
+              </a:spcAft>
+              <a:buNone/>
+            </a:pPr>
+            <a:r>
+              <a:rPr lang="en">
+                <a:solidFill>
+                  <a:schemeClr val="accent5"/>
+                </a:solidFill>
+              </a:rPr>
+              <a:t>Setting Up</a:t>
+            </a:r>
+            <a:r>
+              <a:rPr lang="en"/>
+              <a:t> Environment</a:t>
+            </a:r>
+            <a:endParaRPr/>
+          </a:p>
+          <a:p>
+            <a:pPr indent="0" lvl="0" marL="0" rtl="0" algn="l">
+              <a:spcBef>
+                <a:spcPts val="1000"/>
+              </a:spcBef>
+              <a:spcAft>
+                <a:spcPts val="0"/>
+              </a:spcAft>
+              <a:buNone/>
+            </a:pPr>
+            <a:r>
+              <a:rPr b="0" lang="en" sz="2400"/>
+              <a:t>In order to keep secret values out of our code, we will make use of environment variables.</a:t>
+            </a:r>
+            <a:endParaRPr b="0" sz="2400"/>
+          </a:p>
+          <a:p>
+            <a:pPr indent="0" lvl="0" marL="0" rtl="0" algn="l">
+              <a:spcBef>
+                <a:spcPts val="1000"/>
+              </a:spcBef>
+              <a:spcAft>
+                <a:spcPts val="0"/>
+              </a:spcAft>
+              <a:buNone/>
+            </a:pPr>
+            <a:r>
+              <a:t/>
+            </a:r>
+            <a:endParaRPr b="0" sz="2400"/>
+          </a:p>
+          <a:p>
+            <a:pPr indent="-342900" lvl="0" marL="457200" rtl="0" algn="l">
+              <a:spcBef>
+                <a:spcPts val="1000"/>
+              </a:spcBef>
+              <a:spcAft>
+                <a:spcPts val="0"/>
+              </a:spcAft>
+              <a:buSzPts val="1800"/>
+              <a:buAutoNum type="arabicPeriod"/>
+            </a:pPr>
+            <a:r>
+              <a:rPr b="0" i="1" lang="en" sz="1800"/>
+              <a:t>Make a copy of “env.demo” as “env”</a:t>
+            </a:r>
+            <a:endParaRPr b="0" i="1" sz="1800"/>
+          </a:p>
+          <a:p>
+            <a:pPr indent="-342900" lvl="0" marL="457200" rtl="0" algn="l">
+              <a:spcBef>
+                <a:spcPts val="0"/>
+              </a:spcBef>
+              <a:spcAft>
+                <a:spcPts val="0"/>
+              </a:spcAft>
+              <a:buSzPts val="1800"/>
+              <a:buAutoNum type="arabicPeriod"/>
+            </a:pPr>
+            <a:r>
+              <a:rPr b="0" i="1" lang="en" sz="1800"/>
+              <a:t>Modify the contents, replacing all &lt;variables&gt; with the values we generated in the previous steps.</a:t>
+            </a:r>
+            <a:endParaRPr b="0" i="1" sz="1800"/>
+          </a:p>
+          <a:p>
+            <a:pPr indent="-342900" lvl="0" marL="457200" rtl="0" algn="l">
+              <a:spcBef>
+                <a:spcPts val="0"/>
+              </a:spcBef>
+              <a:spcAft>
+                <a:spcPts val="0"/>
+              </a:spcAft>
+              <a:buSzPts val="1800"/>
+              <a:buAutoNum type="arabicPeriod"/>
+            </a:pPr>
+            <a:r>
+              <a:rPr b="0" i="1" lang="en" sz="1800"/>
+              <a:t>Execute the source command: . ./env</a:t>
+            </a:r>
+            <a:endParaRPr b="0" i="1" sz="1800"/>
+          </a:p>
+          <a:p>
+            <a:pPr indent="0" lvl="0" marL="0" rtl="0" algn="l">
+              <a:spcBef>
+                <a:spcPts val="1000"/>
+              </a:spcBef>
+              <a:spcAft>
+                <a:spcPts val="1000"/>
+              </a:spcAft>
+              <a:buNone/>
+            </a:pPr>
+            <a:r>
+              <a:t/>
+            </a:r>
+            <a:endParaRPr sz="2400"/>
+          </a:p>
+        </p:txBody>
+      </p:sp>
+      <p:grpSp>
+        <p:nvGrpSpPr>
+          <p:cNvPr id="127" name="Google Shape;127;p20"/>
+          <p:cNvGrpSpPr/>
+          <p:nvPr/>
+        </p:nvGrpSpPr>
+        <p:grpSpPr>
+          <a:xfrm>
+            <a:off x="6453929" y="3832911"/>
+            <a:ext cx="2538770" cy="1168323"/>
+            <a:chOff x="6803275" y="395363"/>
+            <a:chExt cx="2212050" cy="2537076"/>
+          </a:xfrm>
+        </p:grpSpPr>
+        <p:pic>
+          <p:nvPicPr>
+            <p:cNvPr id="128" name="Google Shape;128;p20"/>
+            <p:cNvPicPr preferRelativeResize="0"/>
+            <p:nvPr/>
+          </p:nvPicPr>
+          <p:blipFill>
+            <a:blip r:embed="rId3">
+              <a:alphaModFix/>
+            </a:blip>
+            <a:stretch>
+              <a:fillRect/>
+            </a:stretch>
+          </p:blipFill>
+          <p:spPr>
+            <a:xfrm>
+              <a:off x="6803275" y="427445"/>
+              <a:ext cx="2212050" cy="2504994"/>
+            </a:xfrm>
+            <a:prstGeom prst="rect">
+              <a:avLst/>
+            </a:prstGeom>
+            <a:noFill/>
+            <a:ln>
+              <a:noFill/>
+            </a:ln>
+          </p:spPr>
+        </p:pic>
+        <p:pic>
+          <p:nvPicPr>
+            <p:cNvPr descr="Piece of duct tape sticking a note to the slide" id="129" name="Google Shape;129;p20"/>
+            <p:cNvPicPr preferRelativeResize="0"/>
+            <p:nvPr/>
+          </p:nvPicPr>
+          <p:blipFill rotWithShape="1">
+            <a:blip r:embed="rId4">
+              <a:alphaModFix/>
+            </a:blip>
+            <a:srcRect b="10011" l="9244" r="2118" t="5926"/>
+            <a:stretch/>
+          </p:blipFill>
+          <p:spPr>
+            <a:xfrm rot="154826">
+              <a:off x="7370663" y="419419"/>
+              <a:ext cx="1077273" cy="382687"/>
+            </a:xfrm>
+            <a:prstGeom prst="rect">
+              <a:avLst/>
+            </a:prstGeom>
+            <a:noFill/>
+            <a:ln>
+              <a:noFill/>
+            </a:ln>
+          </p:spPr>
+        </p:pic>
+        <p:sp>
+          <p:nvSpPr>
+            <p:cNvPr id="130" name="Google Shape;130;p20"/>
+            <p:cNvSpPr txBox="1"/>
+            <p:nvPr/>
+          </p:nvSpPr>
+          <p:spPr>
+            <a:xfrm>
+              <a:off x="6944800" y="684231"/>
+              <a:ext cx="1929000" cy="2004000"/>
+            </a:xfrm>
+            <a:prstGeom prst="rect">
+              <a:avLst/>
+            </a:prstGeom>
+            <a:noFill/>
+            <a:ln>
+              <a:noFill/>
+            </a:ln>
+          </p:spPr>
+          <p:txBody>
+            <a:bodyPr anchorCtr="0" anchor="t" bIns="91425" lIns="91425" spcFirstLastPara="1" rIns="91425" wrap="square" tIns="91425">
+              <a:noAutofit/>
+            </a:bodyPr>
+            <a:lstStyle/>
+            <a:p>
+              <a:pPr indent="0" lvl="0" marL="0" rtl="0" algn="l">
+                <a:spcBef>
+                  <a:spcPts val="0"/>
+                </a:spcBef>
+                <a:spcAft>
+                  <a:spcPts val="0"/>
+                </a:spcAft>
+                <a:buClr>
+                  <a:schemeClr val="dk2"/>
+                </a:buClr>
+                <a:buSzPts val="1100"/>
+                <a:buFont typeface="Arial"/>
+                <a:buNone/>
+              </a:pPr>
+              <a:r>
+                <a:rPr b="1" lang="en">
+                  <a:solidFill>
+                    <a:schemeClr val="dk1"/>
+                  </a:solidFill>
+                  <a:latin typeface="Raleway"/>
+                  <a:ea typeface="Raleway"/>
+                  <a:cs typeface="Raleway"/>
+                  <a:sym typeface="Raleway"/>
+                </a:rPr>
+                <a:t>Tip</a:t>
+              </a:r>
+              <a:endParaRPr b="1">
+                <a:solidFill>
+                  <a:schemeClr val="dk1"/>
+                </a:solidFill>
+                <a:latin typeface="Raleway"/>
+                <a:ea typeface="Raleway"/>
+                <a:cs typeface="Raleway"/>
+                <a:sym typeface="Raleway"/>
+              </a:endParaRPr>
+            </a:p>
+            <a:p>
+              <a:pPr indent="0" lvl="0" marL="0" rtl="0" algn="l">
+                <a:spcBef>
+                  <a:spcPts val="800"/>
+                </a:spcBef>
+                <a:spcAft>
+                  <a:spcPts val="800"/>
+                </a:spcAft>
+                <a:buNone/>
+              </a:pPr>
+              <a:r>
+                <a:rPr lang="en" sz="1200">
+                  <a:solidFill>
+                    <a:schemeClr val="dk2"/>
+                  </a:solidFill>
+                  <a:latin typeface="Raleway"/>
+                  <a:ea typeface="Raleway"/>
+                  <a:cs typeface="Raleway"/>
+                  <a:sym typeface="Raleway"/>
+                </a:rPr>
+                <a:t>In production, a secrets vault would replace this.</a:t>
+              </a:r>
+              <a:endParaRPr b="1" sz="1200">
+                <a:solidFill>
+                  <a:schemeClr val="dk2"/>
+                </a:solidFill>
+                <a:latin typeface="Raleway"/>
+                <a:ea typeface="Raleway"/>
+                <a:cs typeface="Raleway"/>
+                <a:sym typeface="Raleway"/>
+              </a:endParaRPr>
+            </a:p>
+          </p:txBody>
+        </p:sp>
+      </p:grpSp>
+    </p:spTree>
+  </p:cSld>
+  <p:clrMapOvr>
+    <a:masterClrMapping/>
+  </p:clrMapOvr>
+</p:sld>
+</file>
+
+<file path=ppt/slides/slide9.xml><?xml version="1.0" encoding="utf-8"?>
+<p:sld xmlns:a="http://schemas.openxmlformats.org/drawingml/2006/main" xmlns:r="http://schemas.openxmlformats.org/officeDocument/2006/relationships" xmlns:mc="http://schemas.openxmlformats.org/markup-compatibility/2006" xmlns:mv="urn:schemas-microsoft-com:mac:vml" xmlns:p="http://schemas.openxmlformats.org/presentationml/2006/main" xmlns:c="http://schemas.openxmlformats.org/drawingml/2006/chart" xmlns:dgm="http://schemas.openxmlformats.org/drawingml/2006/diagram" xmlns:o="urn:schemas-microsoft-com:office:office" xmlns:v="urn:schemas-microsoft-com:vml" xmlns:pvml="urn:schemas-microsoft-com:office:powerpoint" xmlns:com="http://schemas.openxmlformats.org/drawingml/2006/compatibility" xmlns:p14="http://schemas.microsoft.com/office/powerpoint/2010/main" xmlns:p15="http://schemas.microsoft.com/office/powerpoint/2012/main" xmlns:ahyp="http://schemas.microsoft.com/office/drawing/2018/hyperlinkcolor">
+  <p:cSld>
+    <p:spTree>
+      <p:nvGrpSpPr>
+        <p:cNvPr id="134" name="Shape 134"/>
+        <p:cNvGrpSpPr/>
+        <p:nvPr/>
+      </p:nvGrpSpPr>
+      <p:grpSpPr>
+        <a:xfrm>
+          <a:off x="0" y="0"/>
+          <a:ext cx="0" cy="0"/>
+          <a:chOff x="0" y="0"/>
+          <a:chExt cx="0" cy="0"/>
+        </a:xfrm>
+      </p:grpSpPr>
+      <p:sp>
+        <p:nvSpPr>
+          <p:cNvPr id="135" name="Google Shape;135;p21"/>
           <p:cNvSpPr txBox="1"/>
           <p:nvPr>
             <p:ph type="title"/>
@@ -10379,161 +11148,6 @@
                   <a:schemeClr val="accent5"/>
                 </a:solidFill>
               </a:rPr>
-              <a:t>Setting Up</a:t>
-            </a:r>
-            <a:r>
-              <a:rPr lang="en"/>
-              <a:t> Environment</a:t>
-            </a:r>
-            <a:endParaRPr/>
-          </a:p>
-          <a:p>
-            <a:pPr indent="0" lvl="0" marL="0" rtl="0" algn="l">
-              <a:spcBef>
-                <a:spcPts val="1000"/>
-              </a:spcBef>
-              <a:spcAft>
-                <a:spcPts val="0"/>
-              </a:spcAft>
-              <a:buNone/>
-            </a:pPr>
-            <a:r>
-              <a:rPr b="0" lang="en" sz="2400"/>
-              <a:t>In order to keep secret values out of our code, we will make sure of environment variables.</a:t>
-            </a:r>
-            <a:endParaRPr b="0" sz="2400"/>
-          </a:p>
-          <a:p>
-            <a:pPr indent="-342900" lvl="0" marL="457200" rtl="0" algn="l">
-              <a:spcBef>
-                <a:spcPts val="1000"/>
-              </a:spcBef>
-              <a:spcAft>
-                <a:spcPts val="0"/>
-              </a:spcAft>
-              <a:buSzPts val="1800"/>
-              <a:buAutoNum type="arabicPeriod"/>
-            </a:pPr>
-            <a:r>
-              <a:rPr b="0" i="1" lang="en" sz="1800"/>
-              <a:t>Make a copy of “env.demo” as “env”</a:t>
-            </a:r>
-            <a:endParaRPr b="0" i="1" sz="1800"/>
-          </a:p>
-          <a:p>
-            <a:pPr indent="-342900" lvl="0" marL="457200" rtl="0" algn="l">
-              <a:spcBef>
-                <a:spcPts val="0"/>
-              </a:spcBef>
-              <a:spcAft>
-                <a:spcPts val="0"/>
-              </a:spcAft>
-              <a:buSzPts val="1800"/>
-              <a:buAutoNum type="arabicPeriod"/>
-            </a:pPr>
-            <a:r>
-              <a:rPr b="0" i="1" lang="en" sz="1800"/>
-              <a:t>Modify the contents, replacing &lt;value&gt; with the values we generated in the previous steps.</a:t>
-            </a:r>
-            <a:endParaRPr b="0" i="1" sz="1800"/>
-          </a:p>
-          <a:p>
-            <a:pPr indent="-342900" lvl="0" marL="457200" rtl="0" algn="l">
-              <a:spcBef>
-                <a:spcPts val="0"/>
-              </a:spcBef>
-              <a:spcAft>
-                <a:spcPts val="0"/>
-              </a:spcAft>
-              <a:buSzPts val="1800"/>
-              <a:buAutoNum type="arabicPeriod"/>
-            </a:pPr>
-            <a:r>
-              <a:rPr b="0" i="1" lang="en" sz="1800"/>
-              <a:t>Execute the source command: . ./env</a:t>
-            </a:r>
-            <a:endParaRPr b="0" i="1" sz="1800"/>
-          </a:p>
-          <a:p>
-            <a:pPr indent="0" lvl="0" marL="0" rtl="0" algn="l">
-              <a:spcBef>
-                <a:spcPts val="1000"/>
-              </a:spcBef>
-              <a:spcAft>
-                <a:spcPts val="1000"/>
-              </a:spcAft>
-              <a:buNone/>
-            </a:pPr>
-            <a:r>
-              <a:t/>
-            </a:r>
-            <a:endParaRPr sz="2400"/>
-          </a:p>
-        </p:txBody>
-      </p:sp>
-    </p:spTree>
-  </p:cSld>
-  <p:clrMapOvr>
-    <a:masterClrMapping/>
-  </p:clrMapOvr>
-</p:sld>
-</file>
-
-<file path=ppt/slides/slide9.xml><?xml version="1.0" encoding="utf-8"?>
-<p:sld xmlns:a="http://schemas.openxmlformats.org/drawingml/2006/main" xmlns:r="http://schemas.openxmlformats.org/officeDocument/2006/relationships" xmlns:mc="http://schemas.openxmlformats.org/markup-compatibility/2006" xmlns:mv="urn:schemas-microsoft-com:mac:vml" xmlns:p="http://schemas.openxmlformats.org/presentationml/2006/main" xmlns:c="http://schemas.openxmlformats.org/drawingml/2006/chart" xmlns:dgm="http://schemas.openxmlformats.org/drawingml/2006/diagram" xmlns:o="urn:schemas-microsoft-com:office:office" xmlns:v="urn:schemas-microsoft-com:vml" xmlns:pvml="urn:schemas-microsoft-com:office:powerpoint" xmlns:com="http://schemas.openxmlformats.org/drawingml/2006/compatibility" xmlns:p14="http://schemas.microsoft.com/office/powerpoint/2010/main" xmlns:p15="http://schemas.microsoft.com/office/powerpoint/2012/main" xmlns:ahyp="http://schemas.microsoft.com/office/drawing/2018/hyperlinkcolor">
-  <p:cSld>
-    <p:spTree>
-      <p:nvGrpSpPr>
-        <p:cNvPr id="122" name="Shape 122"/>
-        <p:cNvGrpSpPr/>
-        <p:nvPr/>
-      </p:nvGrpSpPr>
-      <p:grpSpPr>
-        <a:xfrm>
-          <a:off x="0" y="0"/>
-          <a:ext cx="0" cy="0"/>
-          <a:chOff x="0" y="0"/>
-          <a:chExt cx="0" cy="0"/>
-        </a:xfrm>
-      </p:grpSpPr>
-      <p:sp>
-        <p:nvSpPr>
-          <p:cNvPr id="123" name="Google Shape;123;p21"/>
-          <p:cNvSpPr txBox="1"/>
-          <p:nvPr>
-            <p:ph type="title"/>
-          </p:nvPr>
-        </p:nvSpPr>
-        <p:spPr>
-          <a:xfrm>
-            <a:off x="283099" y="712150"/>
-            <a:ext cx="8622300" cy="3835500"/>
-          </a:xfrm>
-          <a:prstGeom prst="rect">
-            <a:avLst/>
-          </a:prstGeom>
-        </p:spPr>
-        <p:txBody>
-          <a:bodyPr anchorCtr="0" anchor="t" bIns="91425" lIns="91425" spcFirstLastPara="1" rIns="91425" wrap="square" tIns="91425">
-            <a:noAutofit/>
-          </a:bodyPr>
-          <a:lstStyle/>
-          <a:p>
-            <a:pPr indent="0" lvl="0" marL="0" rtl="0" algn="l">
-              <a:spcBef>
-                <a:spcPts val="0"/>
-              </a:spcBef>
-              <a:spcAft>
-                <a:spcPts val="0"/>
-              </a:spcAft>
-              <a:buNone/>
-            </a:pPr>
-            <a:r>
-              <a:rPr lang="en">
-                <a:solidFill>
-                  <a:schemeClr val="accent5"/>
-                </a:solidFill>
-              </a:rPr>
               <a:t>Running</a:t>
             </a:r>
             <a:r>
@@ -10622,6 +11236,285 @@
 </file>
 
 <file path=ppt/theme/theme1.xml><?xml version="1.0" encoding="utf-8"?>
+<a:theme xmlns:a="http://schemas.openxmlformats.org/drawingml/2006/main" xmlns:r="http://schemas.openxmlformats.org/officeDocument/2006/relationships">
+  <a:themeElements>
+    <a:clrScheme name="Default">
+      <a:dk1>
+        <a:srgbClr val="000000"/>
+      </a:dk1>
+      <a:lt1>
+        <a:srgbClr val="FFFFFF"/>
+      </a:lt1>
+      <a:dk2>
+        <a:srgbClr val="158158"/>
+      </a:dk2>
+      <a:lt2>
+        <a:srgbClr val="F3F3F3"/>
+      </a:lt2>
+      <a:accent1>
+        <a:srgbClr val="058DC7"/>
+      </a:accent1>
+      <a:accent2>
+        <a:srgbClr val="50B432"/>
+      </a:accent2>
+      <a:accent3>
+        <a:srgbClr val="ED561B"/>
+      </a:accent3>
+      <a:accent4>
+        <a:srgbClr val="EDEF00"/>
+      </a:accent4>
+      <a:accent5>
+        <a:srgbClr val="24CBE5"/>
+      </a:accent5>
+      <a:accent6>
+        <a:srgbClr val="64E572"/>
+      </a:accent6>
+      <a:hlink>
+        <a:srgbClr val="2200CC"/>
+      </a:hlink>
+      <a:folHlink>
+        <a:srgbClr val="551A8B"/>
+      </a:folHlink>
+    </a:clrScheme>
+    <a:fontScheme name="Office">
+      <a:majorFont>
+        <a:latin typeface="Arial"/>
+        <a:ea typeface=""/>
+        <a:cs typeface=""/>
+        <a:font script="Jpan" typeface="ＭＳ Ｐゴシック"/>
+        <a:font script="Hang" typeface="맑은 고딕"/>
+        <a:font script="Hans" typeface="宋体"/>
+        <a:font script="Hant" typeface="新細明體"/>
+        <a:font script="Arab" typeface="Times New Roman"/>
+        <a:font script="Hebr" typeface="Times New Roman"/>
+        <a:font script="Thai" typeface="Angsana New"/>
+        <a:font script="Ethi" typeface="Nyala"/>
+        <a:font script="Beng" typeface="Vrinda"/>
+        <a:font script="Gujr" typeface="Shruti"/>
+        <a:font script="Khmr" typeface="MoolBoran"/>
+        <a:font script="Knda" typeface="Tunga"/>
+        <a:font script="Guru" typeface="Raavi"/>
+        <a:font script="Cans" typeface="Euphemia"/>
+        <a:font script="Cher" typeface="Plantagenet Cherokee"/>
+        <a:font script="Yiii" typeface="Microsoft Yi Baiti"/>
+        <a:font script="Tibt" typeface="Microsoft Himalaya"/>
+        <a:font script="Thaa" typeface="MV Boli"/>
+        <a:font script="Deva" typeface="Mangal"/>
+        <a:font script="Telu" typeface="Gautami"/>
+        <a:font script="Taml" typeface="Latha"/>
+        <a:font script="Syrc" typeface="Estrangelo Edessa"/>
+        <a:font script="Orya" typeface="Kalinga"/>
+        <a:font script="Mlym" typeface="Kartika"/>
+        <a:font script="Laoo" typeface="DokChampa"/>
+        <a:font script="Sinh" typeface="Iskoola Pota"/>
+        <a:font script="Mong" typeface="Mongolian Baiti"/>
+        <a:font script="Viet" typeface="Times New Roman"/>
+        <a:font script="Uigh" typeface="Microsoft Uighur"/>
+        <a:font script="Geor" typeface="Sylfaen"/>
+      </a:majorFont>
+      <a:minorFont>
+        <a:latin typeface="Arial"/>
+        <a:ea typeface=""/>
+        <a:cs typeface=""/>
+        <a:font script="Jpan" typeface="ＭＳ Ｐゴシック"/>
+        <a:font script="Hang" typeface="맑은 고딕"/>
+        <a:font script="Hans" typeface="宋体"/>
+        <a:font script="Hant" typeface="新細明體"/>
+        <a:font script="Arab" typeface="Arial"/>
+        <a:font script="Hebr" typeface="Arial"/>
+        <a:font script="Thai" typeface="Cordia New"/>
+        <a:font script="Ethi" typeface="Nyala"/>
+        <a:font script="Beng" typeface="Vrinda"/>
+        <a:font script="Gujr" typeface="Shruti"/>
+        <a:font script="Khmr" typeface="DaunPenh"/>
+        <a:font script="Knda" typeface="Tunga"/>
+        <a:font script="Guru" typeface="Raavi"/>
+        <a:font script="Cans" typeface="Euphemia"/>
+        <a:font script="Cher" typeface="Plantagenet Cherokee"/>
+        <a:font script="Yiii" typeface="Microsoft Yi Baiti"/>
+        <a:font script="Tibt" typeface="Microsoft Himalaya"/>
+        <a:font script="Thaa" typeface="MV Boli"/>
+        <a:font script="Deva" typeface="Mangal"/>
+        <a:font script="Telu" typeface="Gautami"/>
+        <a:font script="Taml" typeface="Latha"/>
+        <a:font script="Syrc" typeface="Estrangelo Edessa"/>
+        <a:font script="Orya" typeface="Kalinga"/>
+        <a:font script="Mlym" typeface="Kartika"/>
+        <a:font script="Laoo" typeface="DokChampa"/>
+        <a:font script="Sinh" typeface="Iskoola Pota"/>
+        <a:font script="Mong" typeface="Mongolian Baiti"/>
+        <a:font script="Viet" typeface="Arial"/>
+        <a:font script="Uigh" typeface="Microsoft Uighur"/>
+        <a:font script="Geor" typeface="Sylfaen"/>
+      </a:minorFont>
+    </a:fontScheme>
+    <a:fmtScheme name="Office">
+      <a:fillStyleLst>
+        <a:solidFill>
+          <a:schemeClr val="phClr"/>
+        </a:solidFill>
+        <a:gradFill rotWithShape="1">
+          <a:gsLst>
+            <a:gs pos="0">
+              <a:schemeClr val="phClr">
+                <a:tint val="50000"/>
+                <a:satMod val="300000"/>
+              </a:schemeClr>
+            </a:gs>
+            <a:gs pos="35000">
+              <a:schemeClr val="phClr">
+                <a:tint val="37000"/>
+                <a:satMod val="300000"/>
+              </a:schemeClr>
+            </a:gs>
+            <a:gs pos="100000">
+              <a:schemeClr val="phClr">
+                <a:tint val="15000"/>
+                <a:satMod val="350000"/>
+              </a:schemeClr>
+            </a:gs>
+          </a:gsLst>
+          <a:lin ang="16200000" scaled="1"/>
+        </a:gradFill>
+        <a:gradFill rotWithShape="1">
+          <a:gsLst>
+            <a:gs pos="0">
+              <a:schemeClr val="phClr">
+                <a:tint val="100000"/>
+                <a:shade val="100000"/>
+                <a:satMod val="130000"/>
+              </a:schemeClr>
+            </a:gs>
+            <a:gs pos="100000">
+              <a:schemeClr val="phClr">
+                <a:tint val="50000"/>
+                <a:shade val="100000"/>
+                <a:satMod val="350000"/>
+              </a:schemeClr>
+            </a:gs>
+          </a:gsLst>
+          <a:lin ang="16200000" scaled="0"/>
+        </a:gradFill>
+      </a:fillStyleLst>
+      <a:lnStyleLst>
+        <a:ln w="9525" cap="flat" cmpd="sng" algn="ctr">
+          <a:solidFill>
+            <a:schemeClr val="phClr">
+              <a:shade val="95000"/>
+              <a:satMod val="105000"/>
+            </a:schemeClr>
+          </a:solidFill>
+          <a:prstDash val="solid"/>
+        </a:ln>
+        <a:ln w="25400" cap="flat" cmpd="sng" algn="ctr">
+          <a:solidFill>
+            <a:schemeClr val="phClr"/>
+          </a:solidFill>
+          <a:prstDash val="solid"/>
+        </a:ln>
+        <a:ln w="38100" cap="flat" cmpd="sng" algn="ctr">
+          <a:solidFill>
+            <a:schemeClr val="phClr"/>
+          </a:solidFill>
+          <a:prstDash val="solid"/>
+        </a:ln>
+      </a:lnStyleLst>
+      <a:effectStyleLst>
+        <a:effectStyle>
+          <a:effectLst>
+            <a:outerShdw blurRad="40000" dist="20000" dir="5400000" rotWithShape="0">
+              <a:srgbClr val="000000">
+                <a:alpha val="38000"/>
+              </a:srgbClr>
+            </a:outerShdw>
+          </a:effectLst>
+        </a:effectStyle>
+        <a:effectStyle>
+          <a:effectLst>
+            <a:outerShdw blurRad="40000" dist="23000" dir="5400000" rotWithShape="0">
+              <a:srgbClr val="000000">
+                <a:alpha val="35000"/>
+              </a:srgbClr>
+            </a:outerShdw>
+          </a:effectLst>
+        </a:effectStyle>
+        <a:effectStyle>
+          <a:effectLst>
+            <a:outerShdw blurRad="40000" dist="23000" dir="5400000" rotWithShape="0">
+              <a:srgbClr val="000000">
+                <a:alpha val="35000"/>
+              </a:srgbClr>
+            </a:outerShdw>
+          </a:effectLst>
+          <a:scene3d>
+            <a:camera prst="orthographicFront">
+              <a:rot lat="0" lon="0" rev="0"/>
+            </a:camera>
+            <a:lightRig rig="threePt" dir="t">
+              <a:rot lat="0" lon="0" rev="1200000"/>
+            </a:lightRig>
+          </a:scene3d>
+          <a:sp3d>
+            <a:bevelT w="63500" h="25400"/>
+          </a:sp3d>
+        </a:effectStyle>
+      </a:effectStyleLst>
+      <a:bgFillStyleLst>
+        <a:solidFill>
+          <a:schemeClr val="phClr"/>
+        </a:solidFill>
+        <a:gradFill rotWithShape="1">
+          <a:gsLst>
+            <a:gs pos="0">
+              <a:schemeClr val="phClr">
+                <a:tint val="40000"/>
+                <a:satMod val="350000"/>
+              </a:schemeClr>
+            </a:gs>
+            <a:gs pos="40000">
+              <a:schemeClr val="phClr">
+                <a:tint val="45000"/>
+                <a:shade val="99000"/>
+                <a:satMod val="350000"/>
+              </a:schemeClr>
+            </a:gs>
+            <a:gs pos="100000">
+              <a:schemeClr val="phClr">
+                <a:shade val="20000"/>
+                <a:satMod val="255000"/>
+              </a:schemeClr>
+            </a:gs>
+          </a:gsLst>
+          <a:path path="circle">
+            <a:fillToRect l="50000" t="-80000" r="50000" b="180000"/>
+          </a:path>
+        </a:gradFill>
+        <a:gradFill rotWithShape="1">
+          <a:gsLst>
+            <a:gs pos="0">
+              <a:schemeClr val="phClr">
+                <a:tint val="80000"/>
+                <a:satMod val="300000"/>
+              </a:schemeClr>
+            </a:gs>
+            <a:gs pos="100000">
+              <a:schemeClr val="phClr">
+                <a:shade val="30000"/>
+                <a:satMod val="200000"/>
+              </a:schemeClr>
+            </a:gs>
+          </a:gsLst>
+          <a:path path="circle">
+            <a:fillToRect l="50000" t="50000" r="50000" b="50000"/>
+          </a:path>
+        </a:gradFill>
+      </a:bgFillStyleLst>
+    </a:fmtScheme>
+  </a:themeElements>
+</a:theme>
+</file>
+
+<file path=ppt/theme/theme2.xml><?xml version="1.0" encoding="utf-8"?>
 <a:theme xmlns:a="http://schemas.openxmlformats.org/drawingml/2006/main" xmlns:r="http://schemas.openxmlformats.org/officeDocument/2006/relationships" name="Swiss">
   <a:themeElements>
     <a:clrScheme name="Swiss">
@@ -10898,283 +11791,4 @@
     </a:fmtScheme>
   </a:themeElements>
 </a:theme>
-</file>
-
-<file path=ppt/theme/theme2.xml><?xml version="1.0" encoding="utf-8"?>
-<a:theme xmlns:a="http://schemas.openxmlformats.org/drawingml/2006/main" xmlns:r="http://schemas.openxmlformats.org/officeDocument/2006/relationships">
-  <a:themeElements>
-    <a:clrScheme name="Default">
-      <a:dk1>
-        <a:srgbClr val="000000"/>
-      </a:dk1>
-      <a:lt1>
-        <a:srgbClr val="FFFFFF"/>
-      </a:lt1>
-      <a:dk2>
-        <a:srgbClr val="158158"/>
-      </a:dk2>
-      <a:lt2>
-        <a:srgbClr val="F3F3F3"/>
-      </a:lt2>
-      <a:accent1>
-        <a:srgbClr val="058DC7"/>
-      </a:accent1>
-      <a:accent2>
-        <a:srgbClr val="50B432"/>
-      </a:accent2>
-      <a:accent3>
-        <a:srgbClr val="ED561B"/>
-      </a:accent3>
-      <a:accent4>
-        <a:srgbClr val="EDEF00"/>
-      </a:accent4>
-      <a:accent5>
-        <a:srgbClr val="24CBE5"/>
-      </a:accent5>
-      <a:accent6>
-        <a:srgbClr val="64E572"/>
-      </a:accent6>
-      <a:hlink>
-        <a:srgbClr val="2200CC"/>
-      </a:hlink>
-      <a:folHlink>
-        <a:srgbClr val="551A8B"/>
-      </a:folHlink>
-    </a:clrScheme>
-    <a:fontScheme name="Office">
-      <a:majorFont>
-        <a:latin typeface="Arial"/>
-        <a:ea typeface=""/>
-        <a:cs typeface=""/>
-        <a:font script="Jpan" typeface="ＭＳ Ｐゴシック"/>
-        <a:font script="Hang" typeface="맑은 고딕"/>
-        <a:font script="Hans" typeface="宋体"/>
-        <a:font script="Hant" typeface="新細明體"/>
-        <a:font script="Arab" typeface="Times New Roman"/>
-        <a:font script="Hebr" typeface="Times New Roman"/>
-        <a:font script="Thai" typeface="Angsana New"/>
-        <a:font script="Ethi" typeface="Nyala"/>
-        <a:font script="Beng" typeface="Vrinda"/>
-        <a:font script="Gujr" typeface="Shruti"/>
-        <a:font script="Khmr" typeface="MoolBoran"/>
-        <a:font script="Knda" typeface="Tunga"/>
-        <a:font script="Guru" typeface="Raavi"/>
-        <a:font script="Cans" typeface="Euphemia"/>
-        <a:font script="Cher" typeface="Plantagenet Cherokee"/>
-        <a:font script="Yiii" typeface="Microsoft Yi Baiti"/>
-        <a:font script="Tibt" typeface="Microsoft Himalaya"/>
-        <a:font script="Thaa" typeface="MV Boli"/>
-        <a:font script="Deva" typeface="Mangal"/>
-        <a:font script="Telu" typeface="Gautami"/>
-        <a:font script="Taml" typeface="Latha"/>
-        <a:font script="Syrc" typeface="Estrangelo Edessa"/>
-        <a:font script="Orya" typeface="Kalinga"/>
-        <a:font script="Mlym" typeface="Kartika"/>
-        <a:font script="Laoo" typeface="DokChampa"/>
-        <a:font script="Sinh" typeface="Iskoola Pota"/>
-        <a:font script="Mong" typeface="Mongolian Baiti"/>
-        <a:font script="Viet" typeface="Times New Roman"/>
-        <a:font script="Uigh" typeface="Microsoft Uighur"/>
-        <a:font script="Geor" typeface="Sylfaen"/>
-      </a:majorFont>
-      <a:minorFont>
-        <a:latin typeface="Arial"/>
-        <a:ea typeface=""/>
-        <a:cs typeface=""/>
-        <a:font script="Jpan" typeface="ＭＳ Ｐゴシック"/>
-        <a:font script="Hang" typeface="맑은 고딕"/>
-        <a:font script="Hans" typeface="宋体"/>
-        <a:font script="Hant" typeface="新細明體"/>
-        <a:font script="Arab" typeface="Arial"/>
-        <a:font script="Hebr" typeface="Arial"/>
-        <a:font script="Thai" typeface="Cordia New"/>
-        <a:font script="Ethi" typeface="Nyala"/>
-        <a:font script="Beng" typeface="Vrinda"/>
-        <a:font script="Gujr" typeface="Shruti"/>
-        <a:font script="Khmr" typeface="DaunPenh"/>
-        <a:font script="Knda" typeface="Tunga"/>
-        <a:font script="Guru" typeface="Raavi"/>
-        <a:font script="Cans" typeface="Euphemia"/>
-        <a:font script="Cher" typeface="Plantagenet Cherokee"/>
-        <a:font script="Yiii" typeface="Microsoft Yi Baiti"/>
-        <a:font script="Tibt" typeface="Microsoft Himalaya"/>
-        <a:font script="Thaa" typeface="MV Boli"/>
-        <a:font script="Deva" typeface="Mangal"/>
-        <a:font script="Telu" typeface="Gautami"/>
-        <a:font script="Taml" typeface="Latha"/>
-        <a:font script="Syrc" typeface="Estrangelo Edessa"/>
-        <a:font script="Orya" typeface="Kalinga"/>
-        <a:font script="Mlym" typeface="Kartika"/>
-        <a:font script="Laoo" typeface="DokChampa"/>
-        <a:font script="Sinh" typeface="Iskoola Pota"/>
-        <a:font script="Mong" typeface="Mongolian Baiti"/>
-        <a:font script="Viet" typeface="Arial"/>
-        <a:font script="Uigh" typeface="Microsoft Uighur"/>
-        <a:font script="Geor" typeface="Sylfaen"/>
-      </a:minorFont>
-    </a:fontScheme>
-    <a:fmtScheme name="Office">
-      <a:fillStyleLst>
-        <a:solidFill>
-          <a:schemeClr val="phClr"/>
-        </a:solidFill>
-        <a:gradFill rotWithShape="1">
-          <a:gsLst>
-            <a:gs pos="0">
-              <a:schemeClr val="phClr">
-                <a:tint val="50000"/>
-                <a:satMod val="300000"/>
-              </a:schemeClr>
-            </a:gs>
-            <a:gs pos="35000">
-              <a:schemeClr val="phClr">
-                <a:tint val="37000"/>
-                <a:satMod val="300000"/>
-              </a:schemeClr>
-            </a:gs>
-            <a:gs pos="100000">
-              <a:schemeClr val="phClr">
-                <a:tint val="15000"/>
-                <a:satMod val="350000"/>
-              </a:schemeClr>
-            </a:gs>
-          </a:gsLst>
-          <a:lin ang="16200000" scaled="1"/>
-        </a:gradFill>
-        <a:gradFill rotWithShape="1">
-          <a:gsLst>
-            <a:gs pos="0">
-              <a:schemeClr val="phClr">
-                <a:tint val="100000"/>
-                <a:shade val="100000"/>
-                <a:satMod val="130000"/>
-              </a:schemeClr>
-            </a:gs>
-            <a:gs pos="100000">
-              <a:schemeClr val="phClr">
-                <a:tint val="50000"/>
-                <a:shade val="100000"/>
-                <a:satMod val="350000"/>
-              </a:schemeClr>
-            </a:gs>
-          </a:gsLst>
-          <a:lin ang="16200000" scaled="0"/>
-        </a:gradFill>
-      </a:fillStyleLst>
-      <a:lnStyleLst>
-        <a:ln w="9525" cap="flat" cmpd="sng" algn="ctr">
-          <a:solidFill>
-            <a:schemeClr val="phClr">
-              <a:shade val="95000"/>
-              <a:satMod val="105000"/>
-            </a:schemeClr>
-          </a:solidFill>
-          <a:prstDash val="solid"/>
-        </a:ln>
-        <a:ln w="25400" cap="flat" cmpd="sng" algn="ctr">
-          <a:solidFill>
-            <a:schemeClr val="phClr"/>
-          </a:solidFill>
-          <a:prstDash val="solid"/>
-        </a:ln>
-        <a:ln w="38100" cap="flat" cmpd="sng" algn="ctr">
-          <a:solidFill>
-            <a:schemeClr val="phClr"/>
-          </a:solidFill>
-          <a:prstDash val="solid"/>
-        </a:ln>
-      </a:lnStyleLst>
-      <a:effectStyleLst>
-        <a:effectStyle>
-          <a:effectLst>
-            <a:outerShdw blurRad="40000" dist="20000" dir="5400000" rotWithShape="0">
-              <a:srgbClr val="000000">
-                <a:alpha val="38000"/>
-              </a:srgbClr>
-            </a:outerShdw>
-          </a:effectLst>
-        </a:effectStyle>
-        <a:effectStyle>
-          <a:effectLst>
-            <a:outerShdw blurRad="40000" dist="23000" dir="5400000" rotWithShape="0">
-              <a:srgbClr val="000000">
-                <a:alpha val="35000"/>
-              </a:srgbClr>
-            </a:outerShdw>
-          </a:effectLst>
-        </a:effectStyle>
-        <a:effectStyle>
-          <a:effectLst>
-            <a:outerShdw blurRad="40000" dist="23000" dir="5400000" rotWithShape="0">
-              <a:srgbClr val="000000">
-                <a:alpha val="35000"/>
-              </a:srgbClr>
-            </a:outerShdw>
-          </a:effectLst>
-          <a:scene3d>
-            <a:camera prst="orthographicFront">
-              <a:rot lat="0" lon="0" rev="0"/>
-            </a:camera>
-            <a:lightRig rig="threePt" dir="t">
-              <a:rot lat="0" lon="0" rev="1200000"/>
-            </a:lightRig>
-          </a:scene3d>
-          <a:sp3d>
-            <a:bevelT w="63500" h="25400"/>
-          </a:sp3d>
-        </a:effectStyle>
-      </a:effectStyleLst>
-      <a:bgFillStyleLst>
-        <a:solidFill>
-          <a:schemeClr val="phClr"/>
-        </a:solidFill>
-        <a:gradFill rotWithShape="1">
-          <a:gsLst>
-            <a:gs pos="0">
-              <a:schemeClr val="phClr">
-                <a:tint val="40000"/>
-                <a:satMod val="350000"/>
-              </a:schemeClr>
-            </a:gs>
-            <a:gs pos="40000">
-              <a:schemeClr val="phClr">
-                <a:tint val="45000"/>
-                <a:shade val="99000"/>
-                <a:satMod val="350000"/>
-              </a:schemeClr>
-            </a:gs>
-            <a:gs pos="100000">
-              <a:schemeClr val="phClr">
-                <a:shade val="20000"/>
-                <a:satMod val="255000"/>
-              </a:schemeClr>
-            </a:gs>
-          </a:gsLst>
-          <a:path path="circle">
-            <a:fillToRect l="50000" t="-80000" r="50000" b="180000"/>
-          </a:path>
-        </a:gradFill>
-        <a:gradFill rotWithShape="1">
-          <a:gsLst>
-            <a:gs pos="0">
-              <a:schemeClr val="phClr">
-                <a:tint val="80000"/>
-                <a:satMod val="300000"/>
-              </a:schemeClr>
-            </a:gs>
-            <a:gs pos="100000">
-              <a:schemeClr val="phClr">
-                <a:shade val="30000"/>
-                <a:satMod val="200000"/>
-              </a:schemeClr>
-            </a:gs>
-          </a:gsLst>
-          <a:path path="circle">
-            <a:fillToRect l="50000" t="50000" r="50000" b="50000"/>
-          </a:path>
-        </a:gradFill>
-      </a:bgFillStyleLst>
-    </a:fmtScheme>
-  </a:themeElements>
-</a:theme>
 </file>